--- a/assets/presentation-elements.pptx
+++ b/assets/presentation-elements.pptx
@@ -6,20 +6,22 @@
   </p:sldMasterIdLst>
   <p:sldIdLst>
     <p:sldId id="256" r:id="rId2"/>
-    <p:sldId id="274" r:id="rId3"/>
-    <p:sldId id="258" r:id="rId4"/>
-    <p:sldId id="257" r:id="rId5"/>
-    <p:sldId id="264" r:id="rId6"/>
-    <p:sldId id="259" r:id="rId7"/>
-    <p:sldId id="260" r:id="rId8"/>
-    <p:sldId id="261" r:id="rId9"/>
-    <p:sldId id="265" r:id="rId10"/>
-    <p:sldId id="266" r:id="rId11"/>
-    <p:sldId id="267" r:id="rId12"/>
-    <p:sldId id="269" r:id="rId13"/>
-    <p:sldId id="270" r:id="rId14"/>
-    <p:sldId id="271" r:id="rId15"/>
-    <p:sldId id="272" r:id="rId16"/>
+    <p:sldId id="275" r:id="rId3"/>
+    <p:sldId id="274" r:id="rId4"/>
+    <p:sldId id="258" r:id="rId5"/>
+    <p:sldId id="257" r:id="rId6"/>
+    <p:sldId id="264" r:id="rId7"/>
+    <p:sldId id="259" r:id="rId8"/>
+    <p:sldId id="260" r:id="rId9"/>
+    <p:sldId id="261" r:id="rId10"/>
+    <p:sldId id="276" r:id="rId11"/>
+    <p:sldId id="265" r:id="rId12"/>
+    <p:sldId id="266" r:id="rId13"/>
+    <p:sldId id="267" r:id="rId14"/>
+    <p:sldId id="269" r:id="rId15"/>
+    <p:sldId id="270" r:id="rId16"/>
+    <p:sldId id="271" r:id="rId17"/>
+    <p:sldId id="272" r:id="rId18"/>
   </p:sldIdLst>
   <p:sldSz cx="12192000" cy="6858000"/>
   <p:notesSz cx="6858000" cy="9144000"/>
@@ -119,6 +121,35 @@
     </a:lvl9pPr>
   </p:defaultTextStyle>
   <p:extLst>
+    <p:ext uri="{521415D9-36F7-43E2-AB2F-B90AF26B5E84}">
+      <p14:sectionLst xmlns:p14="http://schemas.microsoft.com/office/powerpoint/2010/main">
+        <p14:section name="Default Section" id="{8A5BBABF-E811-46A5-9D3B-C5F94DBBFE75}">
+          <p14:sldIdLst>
+            <p14:sldId id="256"/>
+            <p14:sldId id="275"/>
+            <p14:sldId id="274"/>
+            <p14:sldId id="258"/>
+            <p14:sldId id="257"/>
+            <p14:sldId id="264"/>
+            <p14:sldId id="259"/>
+            <p14:sldId id="260"/>
+            <p14:sldId id="261"/>
+          </p14:sldIdLst>
+        </p14:section>
+        <p14:section name="Untitled Section" id="{2D5B3C00-AA9A-48AB-8E98-063BF70330F9}">
+          <p14:sldIdLst>
+            <p14:sldId id="276"/>
+            <p14:sldId id="265"/>
+            <p14:sldId id="266"/>
+            <p14:sldId id="267"/>
+            <p14:sldId id="269"/>
+            <p14:sldId id="270"/>
+            <p14:sldId id="271"/>
+            <p14:sldId id="272"/>
+          </p14:sldIdLst>
+        </p14:section>
+      </p14:sectionLst>
+    </p:ext>
     <p:ext uri="{EFAFB233-063F-42B5-8137-9DF3F51BA10A}">
       <p15:sldGuideLst xmlns:p15="http://schemas.microsoft.com/office/powerpoint/2012/main"/>
     </p:ext>
@@ -283,7 +314,7 @@
           <a:p>
             <a:fld id="{388993F2-4606-4F06-928E-94847261D60B}" type="datetimeFigureOut">
               <a:rPr lang="en-ZA" smtClean="0"/>
-              <a:t>2021/10/21</a:t>
+              <a:t>2021/11/03</a:t>
             </a:fld>
             <a:endParaRPr lang="en-ZA"/>
           </a:p>
@@ -483,7 +514,7 @@
           <a:p>
             <a:fld id="{388993F2-4606-4F06-928E-94847261D60B}" type="datetimeFigureOut">
               <a:rPr lang="en-ZA" smtClean="0"/>
-              <a:t>2021/10/21</a:t>
+              <a:t>2021/11/03</a:t>
             </a:fld>
             <a:endParaRPr lang="en-ZA"/>
           </a:p>
@@ -693,7 +724,7 @@
           <a:p>
             <a:fld id="{388993F2-4606-4F06-928E-94847261D60B}" type="datetimeFigureOut">
               <a:rPr lang="en-ZA" smtClean="0"/>
-              <a:t>2021/10/21</a:t>
+              <a:t>2021/11/03</a:t>
             </a:fld>
             <a:endParaRPr lang="en-ZA"/>
           </a:p>
@@ -946,7 +977,7 @@
             <a:fld id="{388993F2-4606-4F06-928E-94847261D60B}" type="datetimeFigureOut">
               <a:rPr lang="en-ZA" smtClean="0"/>
               <a:pPr/>
-              <a:t>2021/10/21</a:t>
+              <a:t>2021/11/03</a:t>
             </a:fld>
             <a:endParaRPr lang="en-ZA"/>
           </a:p>
@@ -1239,7 +1270,7 @@
           <a:p>
             <a:fld id="{388993F2-4606-4F06-928E-94847261D60B}" type="datetimeFigureOut">
               <a:rPr lang="en-ZA" smtClean="0"/>
-              <a:t>2021/10/21</a:t>
+              <a:t>2021/11/03</a:t>
             </a:fld>
             <a:endParaRPr lang="en-ZA"/>
           </a:p>
@@ -1507,7 +1538,7 @@
           <a:p>
             <a:fld id="{388993F2-4606-4F06-928E-94847261D60B}" type="datetimeFigureOut">
               <a:rPr lang="en-ZA" smtClean="0"/>
-              <a:t>2021/10/21</a:t>
+              <a:t>2021/11/03</a:t>
             </a:fld>
             <a:endParaRPr lang="en-ZA"/>
           </a:p>
@@ -1922,7 +1953,7 @@
           <a:p>
             <a:fld id="{388993F2-4606-4F06-928E-94847261D60B}" type="datetimeFigureOut">
               <a:rPr lang="en-ZA" smtClean="0"/>
-              <a:t>2021/10/21</a:t>
+              <a:t>2021/11/03</a:t>
             </a:fld>
             <a:endParaRPr lang="en-ZA"/>
           </a:p>
@@ -2064,7 +2095,7 @@
           <a:p>
             <a:fld id="{388993F2-4606-4F06-928E-94847261D60B}" type="datetimeFigureOut">
               <a:rPr lang="en-ZA" smtClean="0"/>
-              <a:t>2021/10/21</a:t>
+              <a:t>2021/11/03</a:t>
             </a:fld>
             <a:endParaRPr lang="en-ZA"/>
           </a:p>
@@ -2177,7 +2208,7 @@
           <a:p>
             <a:fld id="{388993F2-4606-4F06-928E-94847261D60B}" type="datetimeFigureOut">
               <a:rPr lang="en-ZA" smtClean="0"/>
-              <a:t>2021/10/21</a:t>
+              <a:t>2021/11/03</a:t>
             </a:fld>
             <a:endParaRPr lang="en-ZA"/>
           </a:p>
@@ -2490,7 +2521,7 @@
           <a:p>
             <a:fld id="{388993F2-4606-4F06-928E-94847261D60B}" type="datetimeFigureOut">
               <a:rPr lang="en-ZA" smtClean="0"/>
-              <a:t>2021/10/21</a:t>
+              <a:t>2021/11/03</a:t>
             </a:fld>
             <a:endParaRPr lang="en-ZA"/>
           </a:p>
@@ -2779,7 +2810,7 @@
           <a:p>
             <a:fld id="{388993F2-4606-4F06-928E-94847261D60B}" type="datetimeFigureOut">
               <a:rPr lang="en-ZA" smtClean="0"/>
-              <a:t>2021/10/21</a:t>
+              <a:t>2021/11/03</a:t>
             </a:fld>
             <a:endParaRPr lang="en-ZA"/>
           </a:p>
@@ -3027,7 +3058,7 @@
             <a:fld id="{388993F2-4606-4F06-928E-94847261D60B}" type="datetimeFigureOut">
               <a:rPr lang="en-ZA" smtClean="0"/>
               <a:pPr/>
-              <a:t>2021/10/21</a:t>
+              <a:t>2021/11/03</a:t>
             </a:fld>
             <a:endParaRPr lang="en-ZA"/>
           </a:p>
@@ -3436,7 +3467,7 @@
     <p:bg>
       <p:bgPr>
         <a:solidFill>
-          <a:srgbClr val="1A5117"/>
+          <a:schemeClr val="tx1"/>
         </a:solidFill>
         <a:effectLst/>
       </p:bgPr>
@@ -3625,7 +3656,17 @@
                   </a:schemeClr>
                 </a:solidFill>
               </a:rPr>
-              <a:t>Case Study |  Specialized mailing lists</a:t>
+              <a:t>Case Study |</a:t>
+            </a:r>
+            <a:r>
+              <a:rPr lang="en-US" sz="3100" dirty="0">
+                <a:solidFill>
+                  <a:schemeClr val="bg1">
+                    <a:lumMod val="85000"/>
+                  </a:schemeClr>
+                </a:solidFill>
+              </a:rPr>
+              <a:t>Programmatic block diagrams and flow charts</a:t>
             </a:r>
             <a:endParaRPr lang="en-ZA" dirty="0">
               <a:solidFill>
@@ -3640,7 +3681,7 @@
     </p:spTree>
     <p:extLst>
       <p:ext uri="{BB962C8B-B14F-4D97-AF65-F5344CB8AC3E}">
-        <p14:creationId xmlns:p14="http://schemas.microsoft.com/office/powerpoint/2010/main" val="4144069784"/>
+        <p14:creationId xmlns:p14="http://schemas.microsoft.com/office/powerpoint/2010/main" val="4280154393"/>
       </p:ext>
     </p:extLst>
   </p:cSld>
@@ -3703,7 +3744,7 @@
                   </a:schemeClr>
                 </a:solidFill>
               </a:rPr>
-              <a:t>Case Study |  Tailor made analysis tools</a:t>
+              <a:t>Case Study |  Social post automation</a:t>
             </a:r>
             <a:endParaRPr lang="en-ZA" dirty="0">
               <a:solidFill>
@@ -3718,7 +3759,7 @@
     </p:spTree>
     <p:extLst>
       <p:ext uri="{BB962C8B-B14F-4D97-AF65-F5344CB8AC3E}">
-        <p14:creationId xmlns:p14="http://schemas.microsoft.com/office/powerpoint/2010/main" val="1149514881"/>
+        <p14:creationId xmlns:p14="http://schemas.microsoft.com/office/powerpoint/2010/main" val="853385581"/>
       </p:ext>
     </p:extLst>
   </p:cSld>
@@ -3781,7 +3822,7 @@
                   </a:schemeClr>
                 </a:solidFill>
               </a:rPr>
-              <a:t>Case Study |  Engineering automation</a:t>
+              <a:t>Case Study |  Specialized mailing lists</a:t>
             </a:r>
             <a:endParaRPr lang="en-ZA" dirty="0">
               <a:solidFill>
@@ -3796,7 +3837,7 @@
     </p:spTree>
     <p:extLst>
       <p:ext uri="{BB962C8B-B14F-4D97-AF65-F5344CB8AC3E}">
-        <p14:creationId xmlns:p14="http://schemas.microsoft.com/office/powerpoint/2010/main" val="2137721124"/>
+        <p14:creationId xmlns:p14="http://schemas.microsoft.com/office/powerpoint/2010/main" val="4144069784"/>
       </p:ext>
     </p:extLst>
   </p:cSld>
@@ -3859,7 +3900,7 @@
                   </a:schemeClr>
                 </a:solidFill>
               </a:rPr>
-              <a:t>Case Study |  Large data sets analysis</a:t>
+              <a:t>Case Study |  Tailor made analysis tools</a:t>
             </a:r>
             <a:endParaRPr lang="en-ZA" dirty="0">
               <a:solidFill>
@@ -3874,7 +3915,7 @@
     </p:spTree>
     <p:extLst>
       <p:ext uri="{BB962C8B-B14F-4D97-AF65-F5344CB8AC3E}">
-        <p14:creationId xmlns:p14="http://schemas.microsoft.com/office/powerpoint/2010/main" val="3993764058"/>
+        <p14:creationId xmlns:p14="http://schemas.microsoft.com/office/powerpoint/2010/main" val="1149514881"/>
       </p:ext>
     </p:extLst>
   </p:cSld>
@@ -3937,7 +3978,7 @@
                   </a:schemeClr>
                 </a:solidFill>
               </a:rPr>
-              <a:t>Case Study |  Automated presentations</a:t>
+              <a:t>Case Study |  Engineering automation</a:t>
             </a:r>
             <a:endParaRPr lang="en-ZA" dirty="0">
               <a:solidFill>
@@ -3952,7 +3993,7 @@
     </p:spTree>
     <p:extLst>
       <p:ext uri="{BB962C8B-B14F-4D97-AF65-F5344CB8AC3E}">
-        <p14:creationId xmlns:p14="http://schemas.microsoft.com/office/powerpoint/2010/main" val="4195963159"/>
+        <p14:creationId xmlns:p14="http://schemas.microsoft.com/office/powerpoint/2010/main" val="2137721124"/>
       </p:ext>
     </p:extLst>
   </p:cSld>
@@ -4015,7 +4056,7 @@
                   </a:schemeClr>
                 </a:solidFill>
               </a:rPr>
-              <a:t>Case Study |  Automated PDF reports</a:t>
+              <a:t>Case Study |  Large data sets analysis</a:t>
             </a:r>
             <a:endParaRPr lang="en-ZA" dirty="0">
               <a:solidFill>
@@ -4027,6 +4068,286 @@
           </a:p>
         </p:txBody>
       </p:sp>
+    </p:spTree>
+    <p:extLst>
+      <p:ext uri="{BB962C8B-B14F-4D97-AF65-F5344CB8AC3E}">
+        <p14:creationId xmlns:p14="http://schemas.microsoft.com/office/powerpoint/2010/main" val="3993764058"/>
+      </p:ext>
+    </p:extLst>
+  </p:cSld>
+  <p:clrMapOvr>
+    <a:masterClrMapping/>
+  </p:clrMapOvr>
+</p:sld>
+</file>
+
+<file path=ppt/slides/slide16.xml><?xml version="1.0" encoding="utf-8"?>
+<p:sld xmlns:a="http://schemas.openxmlformats.org/drawingml/2006/main" xmlns:r="http://schemas.openxmlformats.org/officeDocument/2006/relationships" xmlns:p="http://schemas.openxmlformats.org/presentationml/2006/main">
+  <p:cSld>
+    <p:spTree>
+      <p:nvGrpSpPr>
+        <p:cNvPr id="1" name=""/>
+        <p:cNvGrpSpPr/>
+        <p:nvPr/>
+      </p:nvGrpSpPr>
+      <p:grpSpPr>
+        <a:xfrm>
+          <a:off x="0" y="0"/>
+          <a:ext cx="0" cy="0"/>
+          <a:chOff x="0" y="0"/>
+          <a:chExt cx="0" cy="0"/>
+        </a:xfrm>
+      </p:grpSpPr>
+      <p:sp>
+        <p:nvSpPr>
+          <p:cNvPr id="2" name="Title 1">
+            <a:extLst>
+              <a:ext uri="{FF2B5EF4-FFF2-40B4-BE49-F238E27FC236}">
+                <a16:creationId xmlns:a16="http://schemas.microsoft.com/office/drawing/2014/main" id="{EADFC145-7904-4B9C-9235-59D0724FD45E}"/>
+              </a:ext>
+            </a:extLst>
+          </p:cNvPr>
+          <p:cNvSpPr>
+            <a:spLocks noGrp="1"/>
+          </p:cNvSpPr>
+          <p:nvPr>
+            <p:ph type="title"/>
+          </p:nvPr>
+        </p:nvSpPr>
+        <p:spPr>
+          <a:xfrm>
+            <a:off x="763572" y="270859"/>
+            <a:ext cx="10515600" cy="492714"/>
+          </a:xfrm>
+        </p:spPr>
+        <p:txBody>
+          <a:bodyPr>
+            <a:normAutofit fontScale="90000"/>
+          </a:bodyPr>
+          <a:lstStyle/>
+          <a:p>
+            <a:r>
+              <a:rPr lang="en-US" dirty="0">
+                <a:solidFill>
+                  <a:schemeClr val="bg1">
+                    <a:lumMod val="85000"/>
+                  </a:schemeClr>
+                </a:solidFill>
+              </a:rPr>
+              <a:t>Case Study |  Automated presentations</a:t>
+            </a:r>
+            <a:endParaRPr lang="en-ZA" dirty="0">
+              <a:solidFill>
+                <a:schemeClr val="bg1">
+                  <a:lumMod val="85000"/>
+                </a:schemeClr>
+              </a:solidFill>
+            </a:endParaRPr>
+          </a:p>
+        </p:txBody>
+      </p:sp>
+    </p:spTree>
+    <p:extLst>
+      <p:ext uri="{BB962C8B-B14F-4D97-AF65-F5344CB8AC3E}">
+        <p14:creationId xmlns:p14="http://schemas.microsoft.com/office/powerpoint/2010/main" val="4195963159"/>
+      </p:ext>
+    </p:extLst>
+  </p:cSld>
+  <p:clrMapOvr>
+    <a:masterClrMapping/>
+  </p:clrMapOvr>
+</p:sld>
+</file>
+
+<file path=ppt/slides/slide17.xml><?xml version="1.0" encoding="utf-8"?>
+<p:sld xmlns:a="http://schemas.openxmlformats.org/drawingml/2006/main" xmlns:r="http://schemas.openxmlformats.org/officeDocument/2006/relationships" xmlns:p="http://schemas.openxmlformats.org/presentationml/2006/main">
+  <p:cSld>
+    <p:spTree>
+      <p:nvGrpSpPr>
+        <p:cNvPr id="1" name=""/>
+        <p:cNvGrpSpPr/>
+        <p:nvPr/>
+      </p:nvGrpSpPr>
+      <p:grpSpPr>
+        <a:xfrm>
+          <a:off x="0" y="0"/>
+          <a:ext cx="0" cy="0"/>
+          <a:chOff x="0" y="0"/>
+          <a:chExt cx="0" cy="0"/>
+        </a:xfrm>
+      </p:grpSpPr>
+      <p:sp>
+        <p:nvSpPr>
+          <p:cNvPr id="2" name="Title 1">
+            <a:extLst>
+              <a:ext uri="{FF2B5EF4-FFF2-40B4-BE49-F238E27FC236}">
+                <a16:creationId xmlns:a16="http://schemas.microsoft.com/office/drawing/2014/main" id="{EADFC145-7904-4B9C-9235-59D0724FD45E}"/>
+              </a:ext>
+            </a:extLst>
+          </p:cNvPr>
+          <p:cNvSpPr>
+            <a:spLocks noGrp="1"/>
+          </p:cNvSpPr>
+          <p:nvPr>
+            <p:ph type="title"/>
+          </p:nvPr>
+        </p:nvSpPr>
+        <p:spPr>
+          <a:xfrm>
+            <a:off x="838200" y="323110"/>
+            <a:ext cx="10515600" cy="492714"/>
+          </a:xfrm>
+        </p:spPr>
+        <p:txBody>
+          <a:bodyPr>
+            <a:normAutofit fontScale="90000"/>
+          </a:bodyPr>
+          <a:lstStyle/>
+          <a:p>
+            <a:r>
+              <a:rPr lang="en-US" dirty="0">
+                <a:solidFill>
+                  <a:schemeClr val="bg1">
+                    <a:lumMod val="85000"/>
+                  </a:schemeClr>
+                </a:solidFill>
+              </a:rPr>
+              <a:t>Case Study |  </a:t>
+            </a:r>
+            <a:r>
+              <a:rPr lang="en-US" sz="3600" dirty="0">
+                <a:solidFill>
+                  <a:schemeClr val="bg1">
+                    <a:lumMod val="85000"/>
+                  </a:schemeClr>
+                </a:solidFill>
+              </a:rPr>
+              <a:t>Automated Diagrams / Flow Charts</a:t>
+            </a:r>
+            <a:endParaRPr lang="en-ZA" dirty="0">
+              <a:solidFill>
+                <a:schemeClr val="bg1">
+                  <a:lumMod val="85000"/>
+                </a:schemeClr>
+              </a:solidFill>
+            </a:endParaRPr>
+          </a:p>
+        </p:txBody>
+      </p:sp>
+      <p:pic>
+        <p:nvPicPr>
+          <p:cNvPr id="4" name="Picture 3">
+            <a:extLst>
+              <a:ext uri="{FF2B5EF4-FFF2-40B4-BE49-F238E27FC236}">
+                <a16:creationId xmlns:a16="http://schemas.microsoft.com/office/drawing/2014/main" id="{8F72617F-3124-4578-8538-4887563533E1}"/>
+              </a:ext>
+            </a:extLst>
+          </p:cNvPr>
+          <p:cNvPicPr>
+            <a:picLocks noChangeAspect="1"/>
+          </p:cNvPicPr>
+          <p:nvPr/>
+        </p:nvPicPr>
+        <p:blipFill>
+          <a:blip r:embed="rId2"/>
+          <a:stretch>
+            <a:fillRect/>
+          </a:stretch>
+        </p:blipFill>
+        <p:spPr>
+          <a:xfrm>
+            <a:off x="344396" y="1260670"/>
+            <a:ext cx="3694006" cy="4966305"/>
+          </a:xfrm>
+          <a:prstGeom prst="rect">
+            <a:avLst/>
+          </a:prstGeom>
+        </p:spPr>
+      </p:pic>
+      <p:sp>
+        <p:nvSpPr>
+          <p:cNvPr id="5" name="Arrow: Right 4">
+            <a:extLst>
+              <a:ext uri="{FF2B5EF4-FFF2-40B4-BE49-F238E27FC236}">
+                <a16:creationId xmlns:a16="http://schemas.microsoft.com/office/drawing/2014/main" id="{1AF581DD-95B1-4245-BC31-8B42D3A0F1BA}"/>
+              </a:ext>
+            </a:extLst>
+          </p:cNvPr>
+          <p:cNvSpPr/>
+          <p:nvPr/>
+        </p:nvSpPr>
+        <p:spPr>
+          <a:xfrm>
+            <a:off x="4199236" y="3444696"/>
+            <a:ext cx="1100893" cy="492714"/>
+          </a:xfrm>
+          <a:prstGeom prst="rightArrow">
+            <a:avLst/>
+          </a:prstGeom>
+          <a:solidFill>
+            <a:schemeClr val="bg1"/>
+          </a:solidFill>
+          <a:ln>
+            <a:solidFill>
+              <a:schemeClr val="bg1"/>
+            </a:solidFill>
+          </a:ln>
+        </p:spPr>
+        <p:style>
+          <a:lnRef idx="2">
+            <a:schemeClr val="accent1">
+              <a:shade val="50000"/>
+            </a:schemeClr>
+          </a:lnRef>
+          <a:fillRef idx="1">
+            <a:schemeClr val="accent1"/>
+          </a:fillRef>
+          <a:effectRef idx="0">
+            <a:schemeClr val="accent1"/>
+          </a:effectRef>
+          <a:fontRef idx="minor">
+            <a:schemeClr val="lt1"/>
+          </a:fontRef>
+        </p:style>
+        <p:txBody>
+          <a:bodyPr rtlCol="0" anchor="ctr"/>
+          <a:lstStyle/>
+          <a:p>
+            <a:pPr algn="ctr"/>
+            <a:endParaRPr lang="en-ZA"/>
+          </a:p>
+        </p:txBody>
+      </p:sp>
+      <p:pic>
+        <p:nvPicPr>
+          <p:cNvPr id="7" name="Picture 6">
+            <a:extLst>
+              <a:ext uri="{FF2B5EF4-FFF2-40B4-BE49-F238E27FC236}">
+                <a16:creationId xmlns:a16="http://schemas.microsoft.com/office/drawing/2014/main" id="{49C3915C-DC0A-434C-AA15-AA2B095550DB}"/>
+              </a:ext>
+            </a:extLst>
+          </p:cNvPr>
+          <p:cNvPicPr>
+            <a:picLocks noChangeAspect="1"/>
+          </p:cNvPicPr>
+          <p:nvPr/>
+        </p:nvPicPr>
+        <p:blipFill>
+          <a:blip r:embed="rId3"/>
+          <a:stretch>
+            <a:fillRect/>
+          </a:stretch>
+        </p:blipFill>
+        <p:spPr>
+          <a:xfrm>
+            <a:off x="5460963" y="1180919"/>
+            <a:ext cx="6316973" cy="5020269"/>
+          </a:xfrm>
+          <a:prstGeom prst="rect">
+            <a:avLst/>
+          </a:prstGeom>
+        </p:spPr>
+      </p:pic>
     </p:spTree>
     <p:extLst>
       <p:ext uri="{BB962C8B-B14F-4D97-AF65-F5344CB8AC3E}">
@@ -4043,10 +4364,142 @@
 <file path=ppt/slides/slide2.xml><?xml version="1.0" encoding="utf-8"?>
 <p:sld xmlns:a="http://schemas.openxmlformats.org/drawingml/2006/main" xmlns:r="http://schemas.openxmlformats.org/officeDocument/2006/relationships" xmlns:p="http://schemas.openxmlformats.org/presentationml/2006/main">
   <p:cSld>
+    <p:spTree>
+      <p:nvGrpSpPr>
+        <p:cNvPr id="1" name=""/>
+        <p:cNvGrpSpPr/>
+        <p:nvPr/>
+      </p:nvGrpSpPr>
+      <p:grpSpPr>
+        <a:xfrm>
+          <a:off x="0" y="0"/>
+          <a:ext cx="0" cy="0"/>
+          <a:chOff x="0" y="0"/>
+          <a:chExt cx="0" cy="0"/>
+        </a:xfrm>
+      </p:grpSpPr>
+      <p:sp>
+        <p:nvSpPr>
+          <p:cNvPr id="2" name="Title 1">
+            <a:extLst>
+              <a:ext uri="{FF2B5EF4-FFF2-40B4-BE49-F238E27FC236}">
+                <a16:creationId xmlns:a16="http://schemas.microsoft.com/office/drawing/2014/main" id="{121C2EF8-EFC3-4008-94F1-BAB60D41971A}"/>
+              </a:ext>
+            </a:extLst>
+          </p:cNvPr>
+          <p:cNvSpPr>
+            <a:spLocks noGrp="1"/>
+          </p:cNvSpPr>
+          <p:nvPr>
+            <p:ph type="ctrTitle"/>
+          </p:nvPr>
+        </p:nvSpPr>
+        <p:spPr>
+          <a:xfrm>
+            <a:off x="254524" y="1122363"/>
+            <a:ext cx="10413476" cy="2387600"/>
+          </a:xfrm>
+        </p:spPr>
+        <p:txBody>
+          <a:bodyPr>
+            <a:normAutofit/>
+          </a:bodyPr>
+          <a:lstStyle/>
+          <a:p>
+            <a:pPr algn="l"/>
+            <a:r>
+              <a:rPr lang="en-US" sz="7200" spc="60" dirty="0">
+                <a:solidFill>
+                  <a:schemeClr val="bg1"/>
+                </a:solidFill>
+                <a:latin typeface="CMU Serif" panose="02000603000000000000" pitchFamily="2" charset="0"/>
+                <a:ea typeface="CMU Serif" panose="02000603000000000000" pitchFamily="2" charset="0"/>
+                <a:cs typeface="CMU Serif" panose="02000603000000000000" pitchFamily="2" charset="0"/>
+              </a:rPr>
+              <a:t>Python</a:t>
+            </a:r>
+            <a:endParaRPr lang="en-ZA" sz="7200" spc="60" dirty="0">
+              <a:solidFill>
+                <a:schemeClr val="bg1"/>
+              </a:solidFill>
+              <a:latin typeface="CMU Serif" panose="02000603000000000000" pitchFamily="2" charset="0"/>
+              <a:ea typeface="CMU Serif" panose="02000603000000000000" pitchFamily="2" charset="0"/>
+              <a:cs typeface="CMU Serif" panose="02000603000000000000" pitchFamily="2" charset="0"/>
+            </a:endParaRPr>
+          </a:p>
+        </p:txBody>
+      </p:sp>
+      <p:sp>
+        <p:nvSpPr>
+          <p:cNvPr id="3" name="Subtitle 2">
+            <a:extLst>
+              <a:ext uri="{FF2B5EF4-FFF2-40B4-BE49-F238E27FC236}">
+                <a16:creationId xmlns:a16="http://schemas.microsoft.com/office/drawing/2014/main" id="{EEB7771B-8C5B-4A5E-AB84-57B4912F7795}"/>
+              </a:ext>
+            </a:extLst>
+          </p:cNvPr>
+          <p:cNvSpPr>
+            <a:spLocks noGrp="1"/>
+          </p:cNvSpPr>
+          <p:nvPr>
+            <p:ph type="subTitle" idx="1"/>
+          </p:nvPr>
+        </p:nvSpPr>
+        <p:spPr>
+          <a:xfrm>
+            <a:off x="339365" y="3602038"/>
+            <a:ext cx="10328635" cy="1655762"/>
+          </a:xfrm>
+        </p:spPr>
+        <p:txBody>
+          <a:bodyPr>
+            <a:normAutofit/>
+          </a:bodyPr>
+          <a:lstStyle/>
+          <a:p>
+            <a:pPr algn="l"/>
+            <a:r>
+              <a:rPr lang="en-US" sz="4800" spc="60" dirty="0">
+                <a:solidFill>
+                  <a:schemeClr val="bg1"/>
+                </a:solidFill>
+                <a:latin typeface="CMU Serif" panose="02000603000000000000" pitchFamily="2" charset="0"/>
+                <a:ea typeface="CMU Serif" panose="02000603000000000000" pitchFamily="2" charset="0"/>
+                <a:cs typeface="CMU Serif" panose="02000603000000000000" pitchFamily="2" charset="0"/>
+              </a:rPr>
+              <a:t>Open files the correct way</a:t>
+            </a:r>
+            <a:endParaRPr lang="en-ZA" sz="4800" spc="60" dirty="0">
+              <a:solidFill>
+                <a:schemeClr val="bg1"/>
+              </a:solidFill>
+              <a:latin typeface="CMU Serif" panose="02000603000000000000" pitchFamily="2" charset="0"/>
+              <a:ea typeface="CMU Serif" panose="02000603000000000000" pitchFamily="2" charset="0"/>
+              <a:cs typeface="CMU Serif" panose="02000603000000000000" pitchFamily="2" charset="0"/>
+            </a:endParaRPr>
+          </a:p>
+        </p:txBody>
+      </p:sp>
+    </p:spTree>
+    <p:extLst>
+      <p:ext uri="{BB962C8B-B14F-4D97-AF65-F5344CB8AC3E}">
+        <p14:creationId xmlns:p14="http://schemas.microsoft.com/office/powerpoint/2010/main" val="2906299193"/>
+      </p:ext>
+    </p:extLst>
+  </p:cSld>
+  <p:clrMapOvr>
+    <a:masterClrMapping/>
+  </p:clrMapOvr>
+</p:sld>
+</file>
+
+<file path=ppt/slides/slide3.xml><?xml version="1.0" encoding="utf-8"?>
+<p:sld xmlns:a="http://schemas.openxmlformats.org/drawingml/2006/main" xmlns:r="http://schemas.openxmlformats.org/officeDocument/2006/relationships" xmlns:p="http://schemas.openxmlformats.org/presentationml/2006/main">
+  <p:cSld>
     <p:bg>
       <p:bgPr>
         <a:solidFill>
-          <a:srgbClr val="1A5117"/>
+          <a:schemeClr val="tx1"/>
         </a:solidFill>
         <a:effectLst/>
       </p:bgPr>
@@ -4114,203 +4567,10 @@
           </a:p>
         </p:txBody>
       </p:sp>
-      <p:sp>
-        <p:nvSpPr>
-          <p:cNvPr id="3" name="Subtitle 2">
-            <a:extLst>
-              <a:ext uri="{FF2B5EF4-FFF2-40B4-BE49-F238E27FC236}">
-                <a16:creationId xmlns:a16="http://schemas.microsoft.com/office/drawing/2014/main" id="{EEB7771B-8C5B-4A5E-AB84-57B4912F7795}"/>
-              </a:ext>
-            </a:extLst>
-          </p:cNvPr>
-          <p:cNvSpPr>
-            <a:spLocks noGrp="1"/>
-          </p:cNvSpPr>
-          <p:nvPr>
-            <p:ph type="subTitle" idx="1"/>
-          </p:nvPr>
-        </p:nvSpPr>
-        <p:spPr>
-          <a:xfrm>
-            <a:off x="339365" y="3602038"/>
-            <a:ext cx="10328635" cy="1655762"/>
-          </a:xfrm>
-        </p:spPr>
-        <p:txBody>
-          <a:bodyPr>
-            <a:normAutofit/>
-          </a:bodyPr>
-          <a:lstStyle/>
-          <a:p>
-            <a:pPr algn="l"/>
-            <a:r>
-              <a:rPr lang="en-US" sz="4000" spc="60" dirty="0">
-                <a:solidFill>
-                  <a:schemeClr val="bg1"/>
-                </a:solidFill>
-                <a:latin typeface="CMU Serif" panose="02000603000000000000" pitchFamily="2" charset="0"/>
-                <a:ea typeface="CMU Serif" panose="02000603000000000000" pitchFamily="2" charset="0"/>
-                <a:cs typeface="CMU Serif" panose="02000603000000000000" pitchFamily="2" charset="0"/>
-              </a:rPr>
-              <a:t>A </a:t>
-            </a:r>
-            <a:r>
-              <a:rPr lang="en-US" sz="4000" spc="60" dirty="0"/>
-              <a:t>selection of tailored solutions</a:t>
-            </a:r>
-            <a:endParaRPr lang="en-ZA" sz="4000" spc="60" dirty="0">
-              <a:solidFill>
-                <a:schemeClr val="bg1"/>
-              </a:solidFill>
-              <a:latin typeface="CMU Serif" panose="02000603000000000000" pitchFamily="2" charset="0"/>
-              <a:ea typeface="CMU Serif" panose="02000603000000000000" pitchFamily="2" charset="0"/>
-              <a:cs typeface="CMU Serif" panose="02000603000000000000" pitchFamily="2" charset="0"/>
-            </a:endParaRPr>
-          </a:p>
-        </p:txBody>
-      </p:sp>
     </p:spTree>
     <p:extLst>
       <p:ext uri="{BB962C8B-B14F-4D97-AF65-F5344CB8AC3E}">
         <p14:creationId xmlns:p14="http://schemas.microsoft.com/office/powerpoint/2010/main" val="1792025720"/>
-      </p:ext>
-    </p:extLst>
-  </p:cSld>
-  <p:clrMapOvr>
-    <a:masterClrMapping/>
-  </p:clrMapOvr>
-</p:sld>
-</file>
-
-<file path=ppt/slides/slide3.xml><?xml version="1.0" encoding="utf-8"?>
-<p:sld xmlns:a="http://schemas.openxmlformats.org/drawingml/2006/main" xmlns:r="http://schemas.openxmlformats.org/officeDocument/2006/relationships" xmlns:p="http://schemas.openxmlformats.org/presentationml/2006/main">
-  <p:cSld>
-    <p:spTree>
-      <p:nvGrpSpPr>
-        <p:cNvPr id="1" name=""/>
-        <p:cNvGrpSpPr/>
-        <p:nvPr/>
-      </p:nvGrpSpPr>
-      <p:grpSpPr>
-        <a:xfrm>
-          <a:off x="0" y="0"/>
-          <a:ext cx="0" cy="0"/>
-          <a:chOff x="0" y="0"/>
-          <a:chExt cx="0" cy="0"/>
-        </a:xfrm>
-      </p:grpSpPr>
-      <p:pic>
-        <p:nvPicPr>
-          <p:cNvPr id="6" name="Picture 5">
-            <a:extLst>
-              <a:ext uri="{FF2B5EF4-FFF2-40B4-BE49-F238E27FC236}">
-                <a16:creationId xmlns:a16="http://schemas.microsoft.com/office/drawing/2014/main" id="{63089C45-21E6-4DD0-BA85-CCCFE5497B04}"/>
-              </a:ext>
-            </a:extLst>
-          </p:cNvPr>
-          <p:cNvPicPr>
-            <a:picLocks noChangeAspect="1"/>
-          </p:cNvPicPr>
-          <p:nvPr/>
-        </p:nvPicPr>
-        <p:blipFill>
-          <a:blip r:embed="rId2"/>
-          <a:stretch>
-            <a:fillRect/>
-          </a:stretch>
-        </p:blipFill>
-        <p:spPr>
-          <a:xfrm>
-            <a:off x="4821740" y="2828925"/>
-            <a:ext cx="7370259" cy="3470805"/>
-          </a:xfrm>
-          <a:prstGeom prst="rect">
-            <a:avLst/>
-          </a:prstGeom>
-        </p:spPr>
-      </p:pic>
-      <p:sp>
-        <p:nvSpPr>
-          <p:cNvPr id="2" name="Title 1">
-            <a:extLst>
-              <a:ext uri="{FF2B5EF4-FFF2-40B4-BE49-F238E27FC236}">
-                <a16:creationId xmlns:a16="http://schemas.microsoft.com/office/drawing/2014/main" id="{EADFC145-7904-4B9C-9235-59D0724FD45E}"/>
-              </a:ext>
-            </a:extLst>
-          </p:cNvPr>
-          <p:cNvSpPr>
-            <a:spLocks noGrp="1"/>
-          </p:cNvSpPr>
-          <p:nvPr>
-            <p:ph type="title"/>
-          </p:nvPr>
-        </p:nvSpPr>
-        <p:spPr>
-          <a:xfrm>
-            <a:off x="763572" y="270859"/>
-            <a:ext cx="10515600" cy="492714"/>
-          </a:xfrm>
-        </p:spPr>
-        <p:txBody>
-          <a:bodyPr>
-            <a:normAutofit fontScale="90000"/>
-          </a:bodyPr>
-          <a:lstStyle/>
-          <a:p>
-            <a:r>
-              <a:rPr lang="en-US" dirty="0">
-                <a:solidFill>
-                  <a:schemeClr val="bg1">
-                    <a:lumMod val="85000"/>
-                  </a:schemeClr>
-                </a:solidFill>
-              </a:rPr>
-              <a:t>Case Study |  International trade application</a:t>
-            </a:r>
-            <a:endParaRPr lang="en-ZA" dirty="0">
-              <a:solidFill>
-                <a:schemeClr val="bg1">
-                  <a:lumMod val="85000"/>
-                </a:schemeClr>
-              </a:solidFill>
-            </a:endParaRPr>
-          </a:p>
-        </p:txBody>
-      </p:sp>
-      <p:pic>
-        <p:nvPicPr>
-          <p:cNvPr id="4" name="Picture 3">
-            <a:extLst>
-              <a:ext uri="{FF2B5EF4-FFF2-40B4-BE49-F238E27FC236}">
-                <a16:creationId xmlns:a16="http://schemas.microsoft.com/office/drawing/2014/main" id="{F94540D3-B978-4DE8-AE95-697E2A96C224}"/>
-              </a:ext>
-            </a:extLst>
-          </p:cNvPr>
-          <p:cNvPicPr>
-            <a:picLocks noChangeAspect="1"/>
-          </p:cNvPicPr>
-          <p:nvPr/>
-        </p:nvPicPr>
-        <p:blipFill>
-          <a:blip r:embed="rId3"/>
-          <a:stretch>
-            <a:fillRect/>
-          </a:stretch>
-        </p:blipFill>
-        <p:spPr>
-          <a:xfrm>
-            <a:off x="532620" y="1541995"/>
-            <a:ext cx="7349320" cy="3236969"/>
-          </a:xfrm>
-          <a:prstGeom prst="rect">
-            <a:avLst/>
-          </a:prstGeom>
-        </p:spPr>
-      </p:pic>
-    </p:spTree>
-    <p:extLst>
-      <p:ext uri="{BB962C8B-B14F-4D97-AF65-F5344CB8AC3E}">
-        <p14:creationId xmlns:p14="http://schemas.microsoft.com/office/powerpoint/2010/main" val="2938240983"/>
       </p:ext>
     </p:extLst>
   </p:cSld>
@@ -4337,60 +4597,12 @@
           <a:chExt cx="0" cy="0"/>
         </a:xfrm>
       </p:grpSpPr>
-      <p:sp>
-        <p:nvSpPr>
-          <p:cNvPr id="2" name="Title 1">
-            <a:extLst>
-              <a:ext uri="{FF2B5EF4-FFF2-40B4-BE49-F238E27FC236}">
-                <a16:creationId xmlns:a16="http://schemas.microsoft.com/office/drawing/2014/main" id="{EADFC145-7904-4B9C-9235-59D0724FD45E}"/>
-              </a:ext>
-            </a:extLst>
-          </p:cNvPr>
-          <p:cNvSpPr>
-            <a:spLocks noGrp="1"/>
-          </p:cNvSpPr>
-          <p:nvPr>
-            <p:ph type="title"/>
-          </p:nvPr>
-        </p:nvSpPr>
-        <p:spPr>
-          <a:xfrm>
-            <a:off x="763572" y="270859"/>
-            <a:ext cx="10515600" cy="492714"/>
-          </a:xfrm>
-        </p:spPr>
-        <p:txBody>
-          <a:bodyPr>
-            <a:normAutofit fontScale="90000"/>
-          </a:bodyPr>
-          <a:lstStyle/>
-          <a:p>
-            <a:r>
-              <a:rPr lang="en-US" dirty="0">
-                <a:solidFill>
-                  <a:schemeClr val="bg1">
-                    <a:lumMod val="85000"/>
-                  </a:schemeClr>
-                </a:solidFill>
-              </a:rPr>
-              <a:t>Case Study |  Tailored electrical engineering</a:t>
-            </a:r>
-            <a:endParaRPr lang="en-ZA" dirty="0">
-              <a:solidFill>
-                <a:schemeClr val="bg1">
-                  <a:lumMod val="85000"/>
-                </a:schemeClr>
-              </a:solidFill>
-            </a:endParaRPr>
-          </a:p>
-        </p:txBody>
-      </p:sp>
       <p:pic>
         <p:nvPicPr>
           <p:cNvPr id="6" name="Picture 5">
             <a:extLst>
               <a:ext uri="{FF2B5EF4-FFF2-40B4-BE49-F238E27FC236}">
-                <a16:creationId xmlns:a16="http://schemas.microsoft.com/office/drawing/2014/main" id="{19EF0487-0839-4FDB-ADDD-AD999EEAFE2A}"/>
+                <a16:creationId xmlns:a16="http://schemas.microsoft.com/office/drawing/2014/main" id="{63089C45-21E6-4DD0-BA85-CCCFE5497B04}"/>
               </a:ext>
             </a:extLst>
           </p:cNvPr>
@@ -4407,8 +4619,86 @@
         </p:blipFill>
         <p:spPr>
           <a:xfrm>
-            <a:off x="1371599" y="1148141"/>
-            <a:ext cx="9058835" cy="5082448"/>
+            <a:off x="4621439" y="2828925"/>
+            <a:ext cx="7370259" cy="3470805"/>
+          </a:xfrm>
+          <a:prstGeom prst="rect">
+            <a:avLst/>
+          </a:prstGeom>
+        </p:spPr>
+      </p:pic>
+      <p:sp>
+        <p:nvSpPr>
+          <p:cNvPr id="2" name="Title 1">
+            <a:extLst>
+              <a:ext uri="{FF2B5EF4-FFF2-40B4-BE49-F238E27FC236}">
+                <a16:creationId xmlns:a16="http://schemas.microsoft.com/office/drawing/2014/main" id="{EADFC145-7904-4B9C-9235-59D0724FD45E}"/>
+              </a:ext>
+            </a:extLst>
+          </p:cNvPr>
+          <p:cNvSpPr>
+            <a:spLocks noGrp="1"/>
+          </p:cNvSpPr>
+          <p:nvPr>
+            <p:ph type="title"/>
+          </p:nvPr>
+        </p:nvSpPr>
+        <p:spPr>
+          <a:xfrm>
+            <a:off x="763572" y="270859"/>
+            <a:ext cx="10515600" cy="492714"/>
+          </a:xfrm>
+        </p:spPr>
+        <p:txBody>
+          <a:bodyPr>
+            <a:normAutofit fontScale="90000"/>
+          </a:bodyPr>
+          <a:lstStyle/>
+          <a:p>
+            <a:r>
+              <a:rPr lang="en-US" dirty="0">
+                <a:solidFill>
+                  <a:schemeClr val="bg1">
+                    <a:lumMod val="85000"/>
+                  </a:schemeClr>
+                </a:solidFill>
+              </a:rPr>
+              <a:t>Case Study |  International trade application</a:t>
+            </a:r>
+            <a:endParaRPr lang="en-ZA" dirty="0">
+              <a:solidFill>
+                <a:schemeClr val="bg1">
+                  <a:lumMod val="85000"/>
+                </a:schemeClr>
+              </a:solidFill>
+            </a:endParaRPr>
+          </a:p>
+        </p:txBody>
+      </p:sp>
+      <p:pic>
+        <p:nvPicPr>
+          <p:cNvPr id="4" name="Picture 3">
+            <a:extLst>
+              <a:ext uri="{FF2B5EF4-FFF2-40B4-BE49-F238E27FC236}">
+                <a16:creationId xmlns:a16="http://schemas.microsoft.com/office/drawing/2014/main" id="{F94540D3-B978-4DE8-AE95-697E2A96C224}"/>
+              </a:ext>
+            </a:extLst>
+          </p:cNvPr>
+          <p:cNvPicPr>
+            <a:picLocks noChangeAspect="1"/>
+          </p:cNvPicPr>
+          <p:nvPr/>
+        </p:nvPicPr>
+        <p:blipFill>
+          <a:blip r:embed="rId3"/>
+          <a:stretch>
+            <a:fillRect/>
+          </a:stretch>
+        </p:blipFill>
+        <p:spPr>
+          <a:xfrm>
+            <a:off x="532620" y="1541995"/>
+            <a:ext cx="7349320" cy="3236969"/>
           </a:xfrm>
           <a:prstGeom prst="rect">
             <a:avLst/>
@@ -4418,7 +4708,7 @@
     </p:spTree>
     <p:extLst>
       <p:ext uri="{BB962C8B-B14F-4D97-AF65-F5344CB8AC3E}">
-        <p14:creationId xmlns:p14="http://schemas.microsoft.com/office/powerpoint/2010/main" val="3768068205"/>
+        <p14:creationId xmlns:p14="http://schemas.microsoft.com/office/powerpoint/2010/main" val="2938240983"/>
       </p:ext>
     </p:extLst>
   </p:cSld>
@@ -4481,7 +4771,7 @@
                   </a:schemeClr>
                 </a:solidFill>
               </a:rPr>
-              <a:t>Case Study |  Industrial Scientific Analysis</a:t>
+              <a:t>Case Study |  Tailored electrical engineering</a:t>
             </a:r>
             <a:endParaRPr lang="en-ZA" dirty="0">
               <a:solidFill>
@@ -4498,7 +4788,7 @@
           <p:cNvPr id="6" name="Picture 5">
             <a:extLst>
               <a:ext uri="{FF2B5EF4-FFF2-40B4-BE49-F238E27FC236}">
-                <a16:creationId xmlns:a16="http://schemas.microsoft.com/office/drawing/2014/main" id="{C6A9203C-0A5B-42F1-948A-65C4B9A812D7}"/>
+                <a16:creationId xmlns:a16="http://schemas.microsoft.com/office/drawing/2014/main" id="{19EF0487-0839-4FDB-ADDD-AD999EEAFE2A}"/>
               </a:ext>
             </a:extLst>
           </p:cNvPr>
@@ -4515,228 +4805,18 @@
         </p:blipFill>
         <p:spPr>
           <a:xfrm>
-            <a:off x="758351" y="1410788"/>
-            <a:ext cx="6846249" cy="1929397"/>
+            <a:off x="1371599" y="1148141"/>
+            <a:ext cx="9058835" cy="5082448"/>
           </a:xfrm>
           <a:prstGeom prst="rect">
             <a:avLst/>
           </a:prstGeom>
         </p:spPr>
       </p:pic>
-      <p:pic>
-        <p:nvPicPr>
-          <p:cNvPr id="8" name="Picture 7">
-            <a:extLst>
-              <a:ext uri="{FF2B5EF4-FFF2-40B4-BE49-F238E27FC236}">
-                <a16:creationId xmlns:a16="http://schemas.microsoft.com/office/drawing/2014/main" id="{8946C7AD-626C-45E2-9077-1FEA638B035E}"/>
-              </a:ext>
-            </a:extLst>
-          </p:cNvPr>
-          <p:cNvPicPr>
-            <a:picLocks noChangeAspect="1"/>
-          </p:cNvPicPr>
-          <p:nvPr/>
-        </p:nvPicPr>
-        <p:blipFill>
-          <a:blip r:embed="rId3"/>
-          <a:stretch>
-            <a:fillRect/>
-          </a:stretch>
-        </p:blipFill>
-        <p:spPr>
-          <a:xfrm>
-            <a:off x="758351" y="4129691"/>
-            <a:ext cx="9879546" cy="2457450"/>
-          </a:xfrm>
-          <a:prstGeom prst="rect">
-            <a:avLst/>
-          </a:prstGeom>
-        </p:spPr>
-      </p:pic>
-      <p:pic>
-        <p:nvPicPr>
-          <p:cNvPr id="10" name="Picture 9">
-            <a:extLst>
-              <a:ext uri="{FF2B5EF4-FFF2-40B4-BE49-F238E27FC236}">
-                <a16:creationId xmlns:a16="http://schemas.microsoft.com/office/drawing/2014/main" id="{D69ADFFD-A05D-4FD1-869C-81DF7A209B6A}"/>
-              </a:ext>
-            </a:extLst>
-          </p:cNvPr>
-          <p:cNvPicPr>
-            <a:picLocks noChangeAspect="1"/>
-          </p:cNvPicPr>
-          <p:nvPr/>
-        </p:nvPicPr>
-        <p:blipFill>
-          <a:blip r:embed="rId4"/>
-          <a:stretch>
-            <a:fillRect/>
-          </a:stretch>
-        </p:blipFill>
-        <p:spPr>
-          <a:xfrm>
-            <a:off x="8010525" y="1410788"/>
-            <a:ext cx="2563150" cy="2161087"/>
-          </a:xfrm>
-          <a:prstGeom prst="rect">
-            <a:avLst/>
-          </a:prstGeom>
-        </p:spPr>
-      </p:pic>
-      <p:sp>
-        <p:nvSpPr>
-          <p:cNvPr id="11" name="TextBox 10">
-            <a:extLst>
-              <a:ext uri="{FF2B5EF4-FFF2-40B4-BE49-F238E27FC236}">
-                <a16:creationId xmlns:a16="http://schemas.microsoft.com/office/drawing/2014/main" id="{A890DA7A-6A47-4BD3-8F4A-93B88FBAD40B}"/>
-              </a:ext>
-            </a:extLst>
-          </p:cNvPr>
-          <p:cNvSpPr txBox="1"/>
-          <p:nvPr/>
-        </p:nvSpPr>
-        <p:spPr>
-          <a:xfrm>
-            <a:off x="649762" y="1041456"/>
-            <a:ext cx="1329210" cy="369332"/>
-          </a:xfrm>
-          <a:prstGeom prst="rect">
-            <a:avLst/>
-          </a:prstGeom>
-          <a:noFill/>
-        </p:spPr>
-        <p:txBody>
-          <a:bodyPr wrap="none" rtlCol="0">
-            <a:spAutoFit/>
-          </a:bodyPr>
-          <a:lstStyle/>
-          <a:p>
-            <a:r>
-              <a:rPr lang="en-US" dirty="0">
-                <a:solidFill>
-                  <a:schemeClr val="bg1"/>
-                </a:solidFill>
-                <a:latin typeface="CMU Serif" panose="02000603000000000000" pitchFamily="2" charset="0"/>
-                <a:ea typeface="CMU Serif" panose="02000603000000000000" pitchFamily="2" charset="0"/>
-                <a:cs typeface="CMU Serif" panose="02000603000000000000" pitchFamily="2" charset="0"/>
-              </a:rPr>
-              <a:t>Time series</a:t>
-            </a:r>
-            <a:endParaRPr lang="en-ZA" dirty="0">
-              <a:solidFill>
-                <a:schemeClr val="bg1"/>
-              </a:solidFill>
-              <a:latin typeface="CMU Serif" panose="02000603000000000000" pitchFamily="2" charset="0"/>
-              <a:ea typeface="CMU Serif" panose="02000603000000000000" pitchFamily="2" charset="0"/>
-              <a:cs typeface="CMU Serif" panose="02000603000000000000" pitchFamily="2" charset="0"/>
-            </a:endParaRPr>
-          </a:p>
-        </p:txBody>
-      </p:sp>
-      <p:sp>
-        <p:nvSpPr>
-          <p:cNvPr id="12" name="TextBox 11">
-            <a:extLst>
-              <a:ext uri="{FF2B5EF4-FFF2-40B4-BE49-F238E27FC236}">
-                <a16:creationId xmlns:a16="http://schemas.microsoft.com/office/drawing/2014/main" id="{D3A93BC8-3D15-4184-ADCE-55B17968DF9D}"/>
-              </a:ext>
-            </a:extLst>
-          </p:cNvPr>
-          <p:cNvSpPr txBox="1"/>
-          <p:nvPr/>
-        </p:nvSpPr>
-        <p:spPr>
-          <a:xfrm>
-            <a:off x="649762" y="3760359"/>
-            <a:ext cx="2055371" cy="369332"/>
-          </a:xfrm>
-          <a:prstGeom prst="rect">
-            <a:avLst/>
-          </a:prstGeom>
-          <a:noFill/>
-        </p:spPr>
-        <p:txBody>
-          <a:bodyPr wrap="none" rtlCol="0">
-            <a:spAutoFit/>
-          </a:bodyPr>
-          <a:lstStyle/>
-          <a:p>
-            <a:r>
-              <a:rPr lang="en-US" dirty="0">
-                <a:solidFill>
-                  <a:schemeClr val="bg1"/>
-                </a:solidFill>
-                <a:latin typeface="CMU Serif" panose="02000603000000000000" pitchFamily="2" charset="0"/>
-                <a:ea typeface="CMU Serif" panose="02000603000000000000" pitchFamily="2" charset="0"/>
-                <a:cs typeface="CMU Serif" panose="02000603000000000000" pitchFamily="2" charset="0"/>
-              </a:rPr>
-              <a:t>Frequency domain</a:t>
-            </a:r>
-            <a:endParaRPr lang="en-ZA" dirty="0">
-              <a:solidFill>
-                <a:schemeClr val="bg1"/>
-              </a:solidFill>
-              <a:latin typeface="CMU Serif" panose="02000603000000000000" pitchFamily="2" charset="0"/>
-              <a:ea typeface="CMU Serif" panose="02000603000000000000" pitchFamily="2" charset="0"/>
-              <a:cs typeface="CMU Serif" panose="02000603000000000000" pitchFamily="2" charset="0"/>
-            </a:endParaRPr>
-          </a:p>
-        </p:txBody>
-      </p:sp>
-      <p:sp>
-        <p:nvSpPr>
-          <p:cNvPr id="13" name="TextBox 12">
-            <a:extLst>
-              <a:ext uri="{FF2B5EF4-FFF2-40B4-BE49-F238E27FC236}">
-                <a16:creationId xmlns:a16="http://schemas.microsoft.com/office/drawing/2014/main" id="{D0BFA0ED-7F5B-4160-BBA4-DED56B8A057E}"/>
-              </a:ext>
-            </a:extLst>
-          </p:cNvPr>
-          <p:cNvSpPr txBox="1"/>
-          <p:nvPr/>
-        </p:nvSpPr>
-        <p:spPr>
-          <a:xfrm>
-            <a:off x="7919398" y="1041456"/>
-            <a:ext cx="1991251" cy="369332"/>
-          </a:xfrm>
-          <a:prstGeom prst="rect">
-            <a:avLst/>
-          </a:prstGeom>
-          <a:noFill/>
-        </p:spPr>
-        <p:txBody>
-          <a:bodyPr wrap="none" rtlCol="0">
-            <a:spAutoFit/>
-          </a:bodyPr>
-          <a:lstStyle/>
-          <a:p>
-            <a:r>
-              <a:rPr lang="en-US" dirty="0">
-                <a:solidFill>
-                  <a:schemeClr val="bg1"/>
-                </a:solidFill>
-                <a:latin typeface="CMU Serif" panose="02000603000000000000" pitchFamily="2" charset="0"/>
-                <a:ea typeface="CMU Serif" panose="02000603000000000000" pitchFamily="2" charset="0"/>
-                <a:cs typeface="CMU Serif" panose="02000603000000000000" pitchFamily="2" charset="0"/>
-              </a:rPr>
-              <a:t>Rotational energy</a:t>
-            </a:r>
-            <a:endParaRPr lang="en-ZA" dirty="0">
-              <a:solidFill>
-                <a:schemeClr val="bg1"/>
-              </a:solidFill>
-              <a:latin typeface="CMU Serif" panose="02000603000000000000" pitchFamily="2" charset="0"/>
-              <a:ea typeface="CMU Serif" panose="02000603000000000000" pitchFamily="2" charset="0"/>
-              <a:cs typeface="CMU Serif" panose="02000603000000000000" pitchFamily="2" charset="0"/>
-            </a:endParaRPr>
-          </a:p>
-        </p:txBody>
-      </p:sp>
     </p:spTree>
     <p:extLst>
       <p:ext uri="{BB962C8B-B14F-4D97-AF65-F5344CB8AC3E}">
-        <p14:creationId xmlns:p14="http://schemas.microsoft.com/office/powerpoint/2010/main" val="1589781608"/>
+        <p14:creationId xmlns:p14="http://schemas.microsoft.com/office/powerpoint/2010/main" val="3768068205"/>
       </p:ext>
     </p:extLst>
   </p:cSld>
@@ -4799,7 +4879,7 @@
                   </a:schemeClr>
                 </a:solidFill>
               </a:rPr>
-              <a:t>Case Study |  Water heating research</a:t>
+              <a:t>Case Study |  Industrial Scientific Analysis</a:t>
             </a:r>
             <a:endParaRPr lang="en-ZA" dirty="0">
               <a:solidFill>
@@ -4813,10 +4893,10 @@
       </p:sp>
       <p:pic>
         <p:nvPicPr>
-          <p:cNvPr id="4" name="Picture 3">
-            <a:extLst>
-              <a:ext uri="{FF2B5EF4-FFF2-40B4-BE49-F238E27FC236}">
-                <a16:creationId xmlns:a16="http://schemas.microsoft.com/office/drawing/2014/main" id="{EFF628EC-FE16-49D4-93B1-CCEE3545541C}"/>
+          <p:cNvPr id="6" name="Picture 5">
+            <a:extLst>
+              <a:ext uri="{FF2B5EF4-FFF2-40B4-BE49-F238E27FC236}">
+                <a16:creationId xmlns:a16="http://schemas.microsoft.com/office/drawing/2014/main" id="{C6A9203C-0A5B-42F1-948A-65C4B9A812D7}"/>
               </a:ext>
             </a:extLst>
           </p:cNvPr>
@@ -4833,8 +4913,8 @@
         </p:blipFill>
         <p:spPr>
           <a:xfrm>
-            <a:off x="655376" y="1273789"/>
-            <a:ext cx="4058027" cy="2336246"/>
+            <a:off x="758351" y="1410788"/>
+            <a:ext cx="6846249" cy="1929397"/>
           </a:xfrm>
           <a:prstGeom prst="rect">
             <a:avLst/>
@@ -4846,7 +4926,7 @@
           <p:cNvPr id="8" name="Picture 7">
             <a:extLst>
               <a:ext uri="{FF2B5EF4-FFF2-40B4-BE49-F238E27FC236}">
-                <a16:creationId xmlns:a16="http://schemas.microsoft.com/office/drawing/2014/main" id="{96742200-94C9-440B-AD41-6510D5CFB093}"/>
+                <a16:creationId xmlns:a16="http://schemas.microsoft.com/office/drawing/2014/main" id="{8946C7AD-626C-45E2-9077-1FEA638B035E}"/>
               </a:ext>
             </a:extLst>
           </p:cNvPr>
@@ -4863,8 +4943,8 @@
         </p:blipFill>
         <p:spPr>
           <a:xfrm>
-            <a:off x="6304078" y="1302818"/>
-            <a:ext cx="5184819" cy="2731854"/>
+            <a:off x="758351" y="4129691"/>
+            <a:ext cx="9879546" cy="2457450"/>
           </a:xfrm>
           <a:prstGeom prst="rect">
             <a:avLst/>
@@ -4876,7 +4956,7 @@
           <p:cNvPr id="10" name="Picture 9">
             <a:extLst>
               <a:ext uri="{FF2B5EF4-FFF2-40B4-BE49-F238E27FC236}">
-                <a16:creationId xmlns:a16="http://schemas.microsoft.com/office/drawing/2014/main" id="{8BEECBFE-729E-4A74-AAC2-95E0D71C8145}"/>
+                <a16:creationId xmlns:a16="http://schemas.microsoft.com/office/drawing/2014/main" id="{D69ADFFD-A05D-4FD1-869C-81DF7A209B6A}"/>
               </a:ext>
             </a:extLst>
           </p:cNvPr>
@@ -4893,50 +4973,20 @@
         </p:blipFill>
         <p:spPr>
           <a:xfrm>
-            <a:off x="6320090" y="4535430"/>
-            <a:ext cx="5168807" cy="1853748"/>
+            <a:off x="8010525" y="1410788"/>
+            <a:ext cx="2563150" cy="2161087"/>
           </a:xfrm>
           <a:prstGeom prst="rect">
             <a:avLst/>
           </a:prstGeom>
         </p:spPr>
       </p:pic>
-      <p:pic>
-        <p:nvPicPr>
-          <p:cNvPr id="12" name="Picture 11">
-            <a:extLst>
-              <a:ext uri="{FF2B5EF4-FFF2-40B4-BE49-F238E27FC236}">
-                <a16:creationId xmlns:a16="http://schemas.microsoft.com/office/drawing/2014/main" id="{79349EE7-7817-479F-A175-17B5D676FA34}"/>
-              </a:ext>
-            </a:extLst>
-          </p:cNvPr>
-          <p:cNvPicPr>
-            <a:picLocks noChangeAspect="1"/>
-          </p:cNvPicPr>
-          <p:nvPr/>
-        </p:nvPicPr>
-        <p:blipFill>
-          <a:blip r:embed="rId5"/>
-          <a:stretch>
-            <a:fillRect/>
-          </a:stretch>
-        </p:blipFill>
-        <p:spPr>
-          <a:xfrm>
-            <a:off x="655376" y="4167785"/>
-            <a:ext cx="4058027" cy="2118005"/>
-          </a:xfrm>
-          <a:prstGeom prst="rect">
-            <a:avLst/>
-          </a:prstGeom>
-        </p:spPr>
-      </p:pic>
-      <p:sp>
-        <p:nvSpPr>
-          <p:cNvPr id="28" name="TextBox 27">
-            <a:extLst>
-              <a:ext uri="{FF2B5EF4-FFF2-40B4-BE49-F238E27FC236}">
-                <a16:creationId xmlns:a16="http://schemas.microsoft.com/office/drawing/2014/main" id="{8BE60706-C24C-4FEC-8E21-D80557E72BFD}"/>
+      <p:sp>
+        <p:nvSpPr>
+          <p:cNvPr id="11" name="TextBox 10">
+            <a:extLst>
+              <a:ext uri="{FF2B5EF4-FFF2-40B4-BE49-F238E27FC236}">
+                <a16:creationId xmlns:a16="http://schemas.microsoft.com/office/drawing/2014/main" id="{A890DA7A-6A47-4BD3-8F4A-93B88FBAD40B}"/>
               </a:ext>
             </a:extLst>
           </p:cNvPr>
@@ -4945,8 +4995,8 @@
         </p:nvSpPr>
         <p:spPr>
           <a:xfrm>
-            <a:off x="655376" y="933486"/>
-            <a:ext cx="806631" cy="369332"/>
+            <a:off x="649762" y="1041456"/>
+            <a:ext cx="1329210" cy="369332"/>
           </a:xfrm>
           <a:prstGeom prst="rect">
             <a:avLst/>
@@ -4968,7 +5018,7 @@
                 <a:ea typeface="CMU Serif" panose="02000603000000000000" pitchFamily="2" charset="0"/>
                 <a:cs typeface="CMU Serif" panose="02000603000000000000" pitchFamily="2" charset="0"/>
               </a:rPr>
-              <a:t>Model</a:t>
+              <a:t>Time series</a:t>
             </a:r>
             <a:endParaRPr lang="en-ZA" dirty="0">
               <a:solidFill>
@@ -4983,10 +5033,10 @@
       </p:sp>
       <p:sp>
         <p:nvSpPr>
-          <p:cNvPr id="29" name="TextBox 28">
-            <a:extLst>
-              <a:ext uri="{FF2B5EF4-FFF2-40B4-BE49-F238E27FC236}">
-                <a16:creationId xmlns:a16="http://schemas.microsoft.com/office/drawing/2014/main" id="{C3465694-042D-48FB-85A1-5FC87106C049}"/>
+          <p:cNvPr id="12" name="TextBox 11">
+            <a:extLst>
+              <a:ext uri="{FF2B5EF4-FFF2-40B4-BE49-F238E27FC236}">
+                <a16:creationId xmlns:a16="http://schemas.microsoft.com/office/drawing/2014/main" id="{D3A93BC8-3D15-4184-ADCE-55B17968DF9D}"/>
               </a:ext>
             </a:extLst>
           </p:cNvPr>
@@ -4995,8 +5045,8 @@
         </p:nvSpPr>
         <p:spPr>
           <a:xfrm>
-            <a:off x="655376" y="3798453"/>
-            <a:ext cx="1327608" cy="369332"/>
+            <a:off x="649762" y="3760359"/>
+            <a:ext cx="2055371" cy="369332"/>
           </a:xfrm>
           <a:prstGeom prst="rect">
             <a:avLst/>
@@ -5018,7 +5068,7 @@
                 <a:ea typeface="CMU Serif" panose="02000603000000000000" pitchFamily="2" charset="0"/>
                 <a:cs typeface="CMU Serif" panose="02000603000000000000" pitchFamily="2" charset="0"/>
               </a:rPr>
-              <a:t>Calibration</a:t>
+              <a:t>Frequency domain</a:t>
             </a:r>
             <a:endParaRPr lang="en-ZA" dirty="0">
               <a:solidFill>
@@ -5033,10 +5083,10 @@
       </p:sp>
       <p:sp>
         <p:nvSpPr>
-          <p:cNvPr id="36" name="TextBox 35">
-            <a:extLst>
-              <a:ext uri="{FF2B5EF4-FFF2-40B4-BE49-F238E27FC236}">
-                <a16:creationId xmlns:a16="http://schemas.microsoft.com/office/drawing/2014/main" id="{C3F9B87C-438E-40A1-A383-F65DB958D357}"/>
+          <p:cNvPr id="13" name="TextBox 12">
+            <a:extLst>
+              <a:ext uri="{FF2B5EF4-FFF2-40B4-BE49-F238E27FC236}">
+                <a16:creationId xmlns:a16="http://schemas.microsoft.com/office/drawing/2014/main" id="{D0BFA0ED-7F5B-4160-BBA4-DED56B8A057E}"/>
               </a:ext>
             </a:extLst>
           </p:cNvPr>
@@ -5045,8 +5095,8 @@
         </p:nvSpPr>
         <p:spPr>
           <a:xfrm>
-            <a:off x="6269663" y="933486"/>
-            <a:ext cx="922047" cy="369332"/>
+            <a:off x="7919398" y="1041456"/>
+            <a:ext cx="1991251" cy="369332"/>
           </a:xfrm>
           <a:prstGeom prst="rect">
             <a:avLst/>
@@ -5068,7 +5118,7 @@
                 <a:ea typeface="CMU Serif" panose="02000603000000000000" pitchFamily="2" charset="0"/>
                 <a:cs typeface="CMU Serif" panose="02000603000000000000" pitchFamily="2" charset="0"/>
               </a:rPr>
-              <a:t>Results</a:t>
+              <a:t>Rotational energy</a:t>
             </a:r>
             <a:endParaRPr lang="en-ZA" dirty="0">
               <a:solidFill>
@@ -5081,60 +5131,10 @@
           </a:p>
         </p:txBody>
       </p:sp>
-      <p:sp>
-        <p:nvSpPr>
-          <p:cNvPr id="37" name="TextBox 36">
-            <a:extLst>
-              <a:ext uri="{FF2B5EF4-FFF2-40B4-BE49-F238E27FC236}">
-                <a16:creationId xmlns:a16="http://schemas.microsoft.com/office/drawing/2014/main" id="{2A2C1A24-A96F-4A37-9F46-E6F04A394F0D}"/>
-              </a:ext>
-            </a:extLst>
-          </p:cNvPr>
-          <p:cNvSpPr txBox="1"/>
-          <p:nvPr/>
-        </p:nvSpPr>
-        <p:spPr>
-          <a:xfrm>
-            <a:off x="6269662" y="4219338"/>
-            <a:ext cx="922047" cy="369332"/>
-          </a:xfrm>
-          <a:prstGeom prst="rect">
-            <a:avLst/>
-          </a:prstGeom>
-          <a:noFill/>
-        </p:spPr>
-        <p:txBody>
-          <a:bodyPr wrap="none" rtlCol="0">
-            <a:spAutoFit/>
-          </a:bodyPr>
-          <a:lstStyle/>
-          <a:p>
-            <a:r>
-              <a:rPr lang="en-US" dirty="0">
-                <a:solidFill>
-                  <a:schemeClr val="bg1"/>
-                </a:solidFill>
-                <a:latin typeface="CMU Serif" panose="02000603000000000000" pitchFamily="2" charset="0"/>
-                <a:ea typeface="CMU Serif" panose="02000603000000000000" pitchFamily="2" charset="0"/>
-                <a:cs typeface="CMU Serif" panose="02000603000000000000" pitchFamily="2" charset="0"/>
-              </a:rPr>
-              <a:t>Results</a:t>
-            </a:r>
-            <a:endParaRPr lang="en-ZA" dirty="0">
-              <a:solidFill>
-                <a:schemeClr val="bg1"/>
-              </a:solidFill>
-              <a:latin typeface="CMU Serif" panose="02000603000000000000" pitchFamily="2" charset="0"/>
-              <a:ea typeface="CMU Serif" panose="02000603000000000000" pitchFamily="2" charset="0"/>
-              <a:cs typeface="CMU Serif" panose="02000603000000000000" pitchFamily="2" charset="0"/>
-            </a:endParaRPr>
-          </a:p>
-        </p:txBody>
-      </p:sp>
     </p:spTree>
     <p:extLst>
       <p:ext uri="{BB962C8B-B14F-4D97-AF65-F5344CB8AC3E}">
-        <p14:creationId xmlns:p14="http://schemas.microsoft.com/office/powerpoint/2010/main" val="2824432857"/>
+        <p14:creationId xmlns:p14="http://schemas.microsoft.com/office/powerpoint/2010/main" val="1589781608"/>
       </p:ext>
     </p:extLst>
   </p:cSld>
@@ -5197,7 +5197,7 @@
                   </a:schemeClr>
                 </a:solidFill>
               </a:rPr>
-              <a:t>Case Study |  Fourier transforms in industry</a:t>
+              <a:t>Case Study |  Water heating research</a:t>
             </a:r>
             <a:endParaRPr lang="en-ZA" dirty="0">
               <a:solidFill>
@@ -5209,10 +5209,330 @@
           </a:p>
         </p:txBody>
       </p:sp>
+      <p:pic>
+        <p:nvPicPr>
+          <p:cNvPr id="4" name="Picture 3">
+            <a:extLst>
+              <a:ext uri="{FF2B5EF4-FFF2-40B4-BE49-F238E27FC236}">
+                <a16:creationId xmlns:a16="http://schemas.microsoft.com/office/drawing/2014/main" id="{EFF628EC-FE16-49D4-93B1-CCEE3545541C}"/>
+              </a:ext>
+            </a:extLst>
+          </p:cNvPr>
+          <p:cNvPicPr>
+            <a:picLocks noChangeAspect="1"/>
+          </p:cNvPicPr>
+          <p:nvPr/>
+        </p:nvPicPr>
+        <p:blipFill>
+          <a:blip r:embed="rId2"/>
+          <a:stretch>
+            <a:fillRect/>
+          </a:stretch>
+        </p:blipFill>
+        <p:spPr>
+          <a:xfrm>
+            <a:off x="655376" y="1273789"/>
+            <a:ext cx="4058027" cy="2336246"/>
+          </a:xfrm>
+          <a:prstGeom prst="rect">
+            <a:avLst/>
+          </a:prstGeom>
+        </p:spPr>
+      </p:pic>
+      <p:pic>
+        <p:nvPicPr>
+          <p:cNvPr id="8" name="Picture 7">
+            <a:extLst>
+              <a:ext uri="{FF2B5EF4-FFF2-40B4-BE49-F238E27FC236}">
+                <a16:creationId xmlns:a16="http://schemas.microsoft.com/office/drawing/2014/main" id="{96742200-94C9-440B-AD41-6510D5CFB093}"/>
+              </a:ext>
+            </a:extLst>
+          </p:cNvPr>
+          <p:cNvPicPr>
+            <a:picLocks noChangeAspect="1"/>
+          </p:cNvPicPr>
+          <p:nvPr/>
+        </p:nvPicPr>
+        <p:blipFill>
+          <a:blip r:embed="rId3"/>
+          <a:stretch>
+            <a:fillRect/>
+          </a:stretch>
+        </p:blipFill>
+        <p:spPr>
+          <a:xfrm>
+            <a:off x="6304078" y="1302818"/>
+            <a:ext cx="5184819" cy="2731854"/>
+          </a:xfrm>
+          <a:prstGeom prst="rect">
+            <a:avLst/>
+          </a:prstGeom>
+        </p:spPr>
+      </p:pic>
+      <p:pic>
+        <p:nvPicPr>
+          <p:cNvPr id="10" name="Picture 9">
+            <a:extLst>
+              <a:ext uri="{FF2B5EF4-FFF2-40B4-BE49-F238E27FC236}">
+                <a16:creationId xmlns:a16="http://schemas.microsoft.com/office/drawing/2014/main" id="{8BEECBFE-729E-4A74-AAC2-95E0D71C8145}"/>
+              </a:ext>
+            </a:extLst>
+          </p:cNvPr>
+          <p:cNvPicPr>
+            <a:picLocks noChangeAspect="1"/>
+          </p:cNvPicPr>
+          <p:nvPr/>
+        </p:nvPicPr>
+        <p:blipFill>
+          <a:blip r:embed="rId4"/>
+          <a:stretch>
+            <a:fillRect/>
+          </a:stretch>
+        </p:blipFill>
+        <p:spPr>
+          <a:xfrm>
+            <a:off x="6320090" y="4535430"/>
+            <a:ext cx="5168807" cy="1853748"/>
+          </a:xfrm>
+          <a:prstGeom prst="rect">
+            <a:avLst/>
+          </a:prstGeom>
+        </p:spPr>
+      </p:pic>
+      <p:pic>
+        <p:nvPicPr>
+          <p:cNvPr id="12" name="Picture 11">
+            <a:extLst>
+              <a:ext uri="{FF2B5EF4-FFF2-40B4-BE49-F238E27FC236}">
+                <a16:creationId xmlns:a16="http://schemas.microsoft.com/office/drawing/2014/main" id="{79349EE7-7817-479F-A175-17B5D676FA34}"/>
+              </a:ext>
+            </a:extLst>
+          </p:cNvPr>
+          <p:cNvPicPr>
+            <a:picLocks noChangeAspect="1"/>
+          </p:cNvPicPr>
+          <p:nvPr/>
+        </p:nvPicPr>
+        <p:blipFill>
+          <a:blip r:embed="rId5"/>
+          <a:stretch>
+            <a:fillRect/>
+          </a:stretch>
+        </p:blipFill>
+        <p:spPr>
+          <a:xfrm>
+            <a:off x="655376" y="4167785"/>
+            <a:ext cx="4058027" cy="2118005"/>
+          </a:xfrm>
+          <a:prstGeom prst="rect">
+            <a:avLst/>
+          </a:prstGeom>
+        </p:spPr>
+      </p:pic>
+      <p:sp>
+        <p:nvSpPr>
+          <p:cNvPr id="28" name="TextBox 27">
+            <a:extLst>
+              <a:ext uri="{FF2B5EF4-FFF2-40B4-BE49-F238E27FC236}">
+                <a16:creationId xmlns:a16="http://schemas.microsoft.com/office/drawing/2014/main" id="{8BE60706-C24C-4FEC-8E21-D80557E72BFD}"/>
+              </a:ext>
+            </a:extLst>
+          </p:cNvPr>
+          <p:cNvSpPr txBox="1"/>
+          <p:nvPr/>
+        </p:nvSpPr>
+        <p:spPr>
+          <a:xfrm>
+            <a:off x="655376" y="933486"/>
+            <a:ext cx="806631" cy="369332"/>
+          </a:xfrm>
+          <a:prstGeom prst="rect">
+            <a:avLst/>
+          </a:prstGeom>
+          <a:noFill/>
+        </p:spPr>
+        <p:txBody>
+          <a:bodyPr wrap="none" rtlCol="0">
+            <a:spAutoFit/>
+          </a:bodyPr>
+          <a:lstStyle/>
+          <a:p>
+            <a:r>
+              <a:rPr lang="en-US" dirty="0">
+                <a:solidFill>
+                  <a:schemeClr val="bg1"/>
+                </a:solidFill>
+                <a:latin typeface="CMU Serif" panose="02000603000000000000" pitchFamily="2" charset="0"/>
+                <a:ea typeface="CMU Serif" panose="02000603000000000000" pitchFamily="2" charset="0"/>
+                <a:cs typeface="CMU Serif" panose="02000603000000000000" pitchFamily="2" charset="0"/>
+              </a:rPr>
+              <a:t>Model</a:t>
+            </a:r>
+            <a:endParaRPr lang="en-ZA" dirty="0">
+              <a:solidFill>
+                <a:schemeClr val="bg1"/>
+              </a:solidFill>
+              <a:latin typeface="CMU Serif" panose="02000603000000000000" pitchFamily="2" charset="0"/>
+              <a:ea typeface="CMU Serif" panose="02000603000000000000" pitchFamily="2" charset="0"/>
+              <a:cs typeface="CMU Serif" panose="02000603000000000000" pitchFamily="2" charset="0"/>
+            </a:endParaRPr>
+          </a:p>
+        </p:txBody>
+      </p:sp>
+      <p:sp>
+        <p:nvSpPr>
+          <p:cNvPr id="29" name="TextBox 28">
+            <a:extLst>
+              <a:ext uri="{FF2B5EF4-FFF2-40B4-BE49-F238E27FC236}">
+                <a16:creationId xmlns:a16="http://schemas.microsoft.com/office/drawing/2014/main" id="{C3465694-042D-48FB-85A1-5FC87106C049}"/>
+              </a:ext>
+            </a:extLst>
+          </p:cNvPr>
+          <p:cNvSpPr txBox="1"/>
+          <p:nvPr/>
+        </p:nvSpPr>
+        <p:spPr>
+          <a:xfrm>
+            <a:off x="655376" y="3798453"/>
+            <a:ext cx="1327608" cy="369332"/>
+          </a:xfrm>
+          <a:prstGeom prst="rect">
+            <a:avLst/>
+          </a:prstGeom>
+          <a:noFill/>
+        </p:spPr>
+        <p:txBody>
+          <a:bodyPr wrap="none" rtlCol="0">
+            <a:spAutoFit/>
+          </a:bodyPr>
+          <a:lstStyle/>
+          <a:p>
+            <a:r>
+              <a:rPr lang="en-US" dirty="0">
+                <a:solidFill>
+                  <a:schemeClr val="bg1"/>
+                </a:solidFill>
+                <a:latin typeface="CMU Serif" panose="02000603000000000000" pitchFamily="2" charset="0"/>
+                <a:ea typeface="CMU Serif" panose="02000603000000000000" pitchFamily="2" charset="0"/>
+                <a:cs typeface="CMU Serif" panose="02000603000000000000" pitchFamily="2" charset="0"/>
+              </a:rPr>
+              <a:t>Calibration</a:t>
+            </a:r>
+            <a:endParaRPr lang="en-ZA" dirty="0">
+              <a:solidFill>
+                <a:schemeClr val="bg1"/>
+              </a:solidFill>
+              <a:latin typeface="CMU Serif" panose="02000603000000000000" pitchFamily="2" charset="0"/>
+              <a:ea typeface="CMU Serif" panose="02000603000000000000" pitchFamily="2" charset="0"/>
+              <a:cs typeface="CMU Serif" panose="02000603000000000000" pitchFamily="2" charset="0"/>
+            </a:endParaRPr>
+          </a:p>
+        </p:txBody>
+      </p:sp>
+      <p:sp>
+        <p:nvSpPr>
+          <p:cNvPr id="36" name="TextBox 35">
+            <a:extLst>
+              <a:ext uri="{FF2B5EF4-FFF2-40B4-BE49-F238E27FC236}">
+                <a16:creationId xmlns:a16="http://schemas.microsoft.com/office/drawing/2014/main" id="{C3F9B87C-438E-40A1-A383-F65DB958D357}"/>
+              </a:ext>
+            </a:extLst>
+          </p:cNvPr>
+          <p:cNvSpPr txBox="1"/>
+          <p:nvPr/>
+        </p:nvSpPr>
+        <p:spPr>
+          <a:xfrm>
+            <a:off x="6269663" y="933486"/>
+            <a:ext cx="922047" cy="369332"/>
+          </a:xfrm>
+          <a:prstGeom prst="rect">
+            <a:avLst/>
+          </a:prstGeom>
+          <a:noFill/>
+        </p:spPr>
+        <p:txBody>
+          <a:bodyPr wrap="none" rtlCol="0">
+            <a:spAutoFit/>
+          </a:bodyPr>
+          <a:lstStyle/>
+          <a:p>
+            <a:r>
+              <a:rPr lang="en-US" dirty="0">
+                <a:solidFill>
+                  <a:schemeClr val="bg1"/>
+                </a:solidFill>
+                <a:latin typeface="CMU Serif" panose="02000603000000000000" pitchFamily="2" charset="0"/>
+                <a:ea typeface="CMU Serif" panose="02000603000000000000" pitchFamily="2" charset="0"/>
+                <a:cs typeface="CMU Serif" panose="02000603000000000000" pitchFamily="2" charset="0"/>
+              </a:rPr>
+              <a:t>Results</a:t>
+            </a:r>
+            <a:endParaRPr lang="en-ZA" dirty="0">
+              <a:solidFill>
+                <a:schemeClr val="bg1"/>
+              </a:solidFill>
+              <a:latin typeface="CMU Serif" panose="02000603000000000000" pitchFamily="2" charset="0"/>
+              <a:ea typeface="CMU Serif" panose="02000603000000000000" pitchFamily="2" charset="0"/>
+              <a:cs typeface="CMU Serif" panose="02000603000000000000" pitchFamily="2" charset="0"/>
+            </a:endParaRPr>
+          </a:p>
+        </p:txBody>
+      </p:sp>
+      <p:sp>
+        <p:nvSpPr>
+          <p:cNvPr id="37" name="TextBox 36">
+            <a:extLst>
+              <a:ext uri="{FF2B5EF4-FFF2-40B4-BE49-F238E27FC236}">
+                <a16:creationId xmlns:a16="http://schemas.microsoft.com/office/drawing/2014/main" id="{2A2C1A24-A96F-4A37-9F46-E6F04A394F0D}"/>
+              </a:ext>
+            </a:extLst>
+          </p:cNvPr>
+          <p:cNvSpPr txBox="1"/>
+          <p:nvPr/>
+        </p:nvSpPr>
+        <p:spPr>
+          <a:xfrm>
+            <a:off x="6269662" y="4219338"/>
+            <a:ext cx="922047" cy="369332"/>
+          </a:xfrm>
+          <a:prstGeom prst="rect">
+            <a:avLst/>
+          </a:prstGeom>
+          <a:noFill/>
+        </p:spPr>
+        <p:txBody>
+          <a:bodyPr wrap="none" rtlCol="0">
+            <a:spAutoFit/>
+          </a:bodyPr>
+          <a:lstStyle/>
+          <a:p>
+            <a:r>
+              <a:rPr lang="en-US" dirty="0">
+                <a:solidFill>
+                  <a:schemeClr val="bg1"/>
+                </a:solidFill>
+                <a:latin typeface="CMU Serif" panose="02000603000000000000" pitchFamily="2" charset="0"/>
+                <a:ea typeface="CMU Serif" panose="02000603000000000000" pitchFamily="2" charset="0"/>
+                <a:cs typeface="CMU Serif" panose="02000603000000000000" pitchFamily="2" charset="0"/>
+              </a:rPr>
+              <a:t>Results</a:t>
+            </a:r>
+            <a:endParaRPr lang="en-ZA" dirty="0">
+              <a:solidFill>
+                <a:schemeClr val="bg1"/>
+              </a:solidFill>
+              <a:latin typeface="CMU Serif" panose="02000603000000000000" pitchFamily="2" charset="0"/>
+              <a:ea typeface="CMU Serif" panose="02000603000000000000" pitchFamily="2" charset="0"/>
+              <a:cs typeface="CMU Serif" panose="02000603000000000000" pitchFamily="2" charset="0"/>
+            </a:endParaRPr>
+          </a:p>
+        </p:txBody>
+      </p:sp>
     </p:spTree>
     <p:extLst>
       <p:ext uri="{BB962C8B-B14F-4D97-AF65-F5344CB8AC3E}">
-        <p14:creationId xmlns:p14="http://schemas.microsoft.com/office/powerpoint/2010/main" val="1171755764"/>
+        <p14:creationId xmlns:p14="http://schemas.microsoft.com/office/powerpoint/2010/main" val="2824432857"/>
       </p:ext>
     </p:extLst>
   </p:cSld>
@@ -5275,7 +5595,7 @@
                   </a:schemeClr>
                 </a:solidFill>
               </a:rPr>
-              <a:t>Case Study |  Automated graphics generation</a:t>
+              <a:t>Case Study |  Specialised Automated Email</a:t>
             </a:r>
             <a:endParaRPr lang="en-ZA" dirty="0">
               <a:solidFill>
@@ -5287,10 +5607,167 @@
           </a:p>
         </p:txBody>
       </p:sp>
+      <p:pic>
+        <p:nvPicPr>
+          <p:cNvPr id="4" name="Picture 3">
+            <a:extLst>
+              <a:ext uri="{FF2B5EF4-FFF2-40B4-BE49-F238E27FC236}">
+                <a16:creationId xmlns:a16="http://schemas.microsoft.com/office/drawing/2014/main" id="{299E678B-28F6-42F6-9587-0723F4662089}"/>
+              </a:ext>
+            </a:extLst>
+          </p:cNvPr>
+          <p:cNvPicPr>
+            <a:picLocks noChangeAspect="1"/>
+          </p:cNvPicPr>
+          <p:nvPr/>
+        </p:nvPicPr>
+        <p:blipFill>
+          <a:blip r:embed="rId2"/>
+          <a:stretch>
+            <a:fillRect/>
+          </a:stretch>
+        </p:blipFill>
+        <p:spPr>
+          <a:xfrm>
+            <a:off x="763572" y="1116105"/>
+            <a:ext cx="3511137" cy="5123329"/>
+          </a:xfrm>
+          <a:prstGeom prst="rect">
+            <a:avLst/>
+          </a:prstGeom>
+        </p:spPr>
+      </p:pic>
+      <p:sp>
+        <p:nvSpPr>
+          <p:cNvPr id="5" name="Rectangle 4">
+            <a:extLst>
+              <a:ext uri="{FF2B5EF4-FFF2-40B4-BE49-F238E27FC236}">
+                <a16:creationId xmlns:a16="http://schemas.microsoft.com/office/drawing/2014/main" id="{35364CDF-C9E8-4C84-A1B3-71E30EC96161}"/>
+              </a:ext>
+            </a:extLst>
+          </p:cNvPr>
+          <p:cNvSpPr/>
+          <p:nvPr/>
+        </p:nvSpPr>
+        <p:spPr>
+          <a:xfrm>
+            <a:off x="4719918" y="1237129"/>
+            <a:ext cx="6925235" cy="5002305"/>
+          </a:xfrm>
+          <a:prstGeom prst="rect">
+            <a:avLst/>
+          </a:prstGeom>
+          <a:solidFill>
+            <a:schemeClr val="tx1"/>
+          </a:solidFill>
+          <a:ln>
+            <a:noFill/>
+          </a:ln>
+        </p:spPr>
+        <p:style>
+          <a:lnRef idx="2">
+            <a:schemeClr val="accent1">
+              <a:shade val="50000"/>
+            </a:schemeClr>
+          </a:lnRef>
+          <a:fillRef idx="1">
+            <a:schemeClr val="accent1"/>
+          </a:fillRef>
+          <a:effectRef idx="0">
+            <a:schemeClr val="accent1"/>
+          </a:effectRef>
+          <a:fontRef idx="minor">
+            <a:schemeClr val="lt1"/>
+          </a:fontRef>
+        </p:style>
+        <p:txBody>
+          <a:bodyPr rtlCol="0" anchor="ctr"/>
+          <a:lstStyle/>
+          <a:p>
+            <a:pPr marL="285750" indent="-285750">
+              <a:buFont typeface="Arial" panose="020B0604020202020204" pitchFamily="34" charset="0"/>
+              <a:buChar char="•"/>
+            </a:pPr>
+            <a:r>
+              <a:rPr lang="en-US" sz="3200" dirty="0">
+                <a:solidFill>
+                  <a:schemeClr val="bg1"/>
+                </a:solidFill>
+                <a:latin typeface="CMU Serif" panose="02000603000000000000" pitchFamily="2" charset="0"/>
+                <a:ea typeface="CMU Serif" panose="02000603000000000000" pitchFamily="2" charset="0"/>
+                <a:cs typeface="CMU Serif" panose="02000603000000000000" pitchFamily="2" charset="0"/>
+              </a:rPr>
+              <a:t>Full responsive design</a:t>
+            </a:r>
+          </a:p>
+          <a:p>
+            <a:pPr marL="285750" indent="-285750">
+              <a:buFont typeface="Arial" panose="020B0604020202020204" pitchFamily="34" charset="0"/>
+              <a:buChar char="•"/>
+            </a:pPr>
+            <a:endParaRPr lang="en-ZA" sz="3200" dirty="0">
+              <a:solidFill>
+                <a:schemeClr val="bg1"/>
+              </a:solidFill>
+              <a:latin typeface="CMU Serif" panose="02000603000000000000" pitchFamily="2" charset="0"/>
+              <a:ea typeface="CMU Serif" panose="02000603000000000000" pitchFamily="2" charset="0"/>
+              <a:cs typeface="CMU Serif" panose="02000603000000000000" pitchFamily="2" charset="0"/>
+            </a:endParaRPr>
+          </a:p>
+          <a:p>
+            <a:pPr marL="285750" indent="-285750">
+              <a:buFont typeface="Arial" panose="020B0604020202020204" pitchFamily="34" charset="0"/>
+              <a:buChar char="•"/>
+            </a:pPr>
+            <a:r>
+              <a:rPr lang="en-US" sz="3200" dirty="0">
+                <a:solidFill>
+                  <a:schemeClr val="bg1"/>
+                </a:solidFill>
+                <a:latin typeface="CMU Serif" panose="02000603000000000000" pitchFamily="2" charset="0"/>
+                <a:ea typeface="CMU Serif" panose="02000603000000000000" pitchFamily="2" charset="0"/>
+                <a:cs typeface="CMU Serif" panose="02000603000000000000" pitchFamily="2" charset="0"/>
+              </a:rPr>
+              <a:t>Variable sending frequency</a:t>
+            </a:r>
+          </a:p>
+          <a:p>
+            <a:pPr marL="285750" indent="-285750">
+              <a:buFont typeface="Arial" panose="020B0604020202020204" pitchFamily="34" charset="0"/>
+              <a:buChar char="•"/>
+            </a:pPr>
+            <a:endParaRPr lang="en-US" sz="3200" dirty="0">
+              <a:solidFill>
+                <a:schemeClr val="bg1"/>
+              </a:solidFill>
+              <a:latin typeface="CMU Serif" panose="02000603000000000000" pitchFamily="2" charset="0"/>
+              <a:ea typeface="CMU Serif" panose="02000603000000000000" pitchFamily="2" charset="0"/>
+              <a:cs typeface="CMU Serif" panose="02000603000000000000" pitchFamily="2" charset="0"/>
+            </a:endParaRPr>
+          </a:p>
+          <a:p>
+            <a:pPr marL="285750" indent="-285750">
+              <a:buFont typeface="Arial" panose="020B0604020202020204" pitchFamily="34" charset="0"/>
+              <a:buChar char="•"/>
+            </a:pPr>
+            <a:r>
+              <a:rPr lang="en-US" sz="3200" dirty="0">
+                <a:solidFill>
+                  <a:schemeClr val="bg1"/>
+                </a:solidFill>
+                <a:latin typeface="CMU Serif" panose="02000603000000000000" pitchFamily="2" charset="0"/>
+                <a:ea typeface="CMU Serif" panose="02000603000000000000" pitchFamily="2" charset="0"/>
+                <a:cs typeface="CMU Serif" panose="02000603000000000000" pitchFamily="2" charset="0"/>
+              </a:rPr>
+              <a:t>Automatic processing and email generation</a:t>
+            </a:r>
+          </a:p>
+        </p:txBody>
+      </p:sp>
     </p:spTree>
     <p:extLst>
       <p:ext uri="{BB962C8B-B14F-4D97-AF65-F5344CB8AC3E}">
-        <p14:creationId xmlns:p14="http://schemas.microsoft.com/office/powerpoint/2010/main" val="1945336392"/>
+        <p14:creationId xmlns:p14="http://schemas.microsoft.com/office/powerpoint/2010/main" val="1171755764"/>
       </p:ext>
     </p:extLst>
   </p:cSld>
@@ -5353,7 +5830,7 @@
                   </a:schemeClr>
                 </a:solidFill>
               </a:rPr>
-              <a:t>Case Study |  Social post automation</a:t>
+              <a:t>Case Study |  Printed Circuit Board</a:t>
             </a:r>
             <a:endParaRPr lang="en-ZA" dirty="0">
               <a:solidFill>
@@ -5365,10 +5842,358 @@
           </a:p>
         </p:txBody>
       </p:sp>
+      <p:pic>
+        <p:nvPicPr>
+          <p:cNvPr id="4" name="Picture 3">
+            <a:extLst>
+              <a:ext uri="{FF2B5EF4-FFF2-40B4-BE49-F238E27FC236}">
+                <a16:creationId xmlns:a16="http://schemas.microsoft.com/office/drawing/2014/main" id="{A42C6943-E9F7-47E6-AB5D-EB9A9C0C1B2C}"/>
+              </a:ext>
+            </a:extLst>
+          </p:cNvPr>
+          <p:cNvPicPr>
+            <a:picLocks noChangeAspect="1"/>
+          </p:cNvPicPr>
+          <p:nvPr/>
+        </p:nvPicPr>
+        <p:blipFill>
+          <a:blip r:embed="rId2"/>
+          <a:stretch>
+            <a:fillRect/>
+          </a:stretch>
+        </p:blipFill>
+        <p:spPr>
+          <a:xfrm>
+            <a:off x="909694" y="1701999"/>
+            <a:ext cx="6080623" cy="4254337"/>
+          </a:xfrm>
+          <a:prstGeom prst="rect">
+            <a:avLst/>
+          </a:prstGeom>
+        </p:spPr>
+      </p:pic>
+      <p:pic>
+        <p:nvPicPr>
+          <p:cNvPr id="6" name="Picture 5">
+            <a:extLst>
+              <a:ext uri="{FF2B5EF4-FFF2-40B4-BE49-F238E27FC236}">
+                <a16:creationId xmlns:a16="http://schemas.microsoft.com/office/drawing/2014/main" id="{15D1A4C7-8635-422E-AC5B-A96A12FE1A33}"/>
+              </a:ext>
+            </a:extLst>
+          </p:cNvPr>
+          <p:cNvPicPr>
+            <a:picLocks noChangeAspect="1"/>
+          </p:cNvPicPr>
+          <p:nvPr/>
+        </p:nvPicPr>
+        <p:blipFill>
+          <a:blip r:embed="rId3"/>
+          <a:stretch>
+            <a:fillRect/>
+          </a:stretch>
+        </p:blipFill>
+        <p:spPr>
+          <a:xfrm>
+            <a:off x="8870389" y="4229337"/>
+            <a:ext cx="2411917" cy="2399122"/>
+          </a:xfrm>
+          <a:prstGeom prst="rect">
+            <a:avLst/>
+          </a:prstGeom>
+        </p:spPr>
+      </p:pic>
+      <p:pic>
+        <p:nvPicPr>
+          <p:cNvPr id="8" name="Picture 7">
+            <a:extLst>
+              <a:ext uri="{FF2B5EF4-FFF2-40B4-BE49-F238E27FC236}">
+                <a16:creationId xmlns:a16="http://schemas.microsoft.com/office/drawing/2014/main" id="{72ED1447-8EA9-48F1-85CE-1A509D347A9D}"/>
+              </a:ext>
+            </a:extLst>
+          </p:cNvPr>
+          <p:cNvPicPr>
+            <a:picLocks noChangeAspect="1"/>
+          </p:cNvPicPr>
+          <p:nvPr/>
+        </p:nvPicPr>
+        <p:blipFill>
+          <a:blip r:embed="rId4"/>
+          <a:stretch>
+            <a:fillRect/>
+          </a:stretch>
+        </p:blipFill>
+        <p:spPr>
+          <a:xfrm>
+            <a:off x="8870389" y="1029878"/>
+            <a:ext cx="2408783" cy="2399122"/>
+          </a:xfrm>
+          <a:prstGeom prst="rect">
+            <a:avLst/>
+          </a:prstGeom>
+        </p:spPr>
+      </p:pic>
+      <p:sp>
+        <p:nvSpPr>
+          <p:cNvPr id="9" name="Arrow: Right 8">
+            <a:extLst>
+              <a:ext uri="{FF2B5EF4-FFF2-40B4-BE49-F238E27FC236}">
+                <a16:creationId xmlns:a16="http://schemas.microsoft.com/office/drawing/2014/main" id="{9E959F46-632C-4A3D-9667-54867A96C8D6}"/>
+              </a:ext>
+            </a:extLst>
+          </p:cNvPr>
+          <p:cNvSpPr/>
+          <p:nvPr/>
+        </p:nvSpPr>
+        <p:spPr>
+          <a:xfrm>
+            <a:off x="7124510" y="1701999"/>
+            <a:ext cx="1489435" cy="492714"/>
+          </a:xfrm>
+          <a:prstGeom prst="rightArrow">
+            <a:avLst/>
+          </a:prstGeom>
+          <a:solidFill>
+            <a:schemeClr val="bg1"/>
+          </a:solidFill>
+          <a:ln>
+            <a:solidFill>
+              <a:schemeClr val="bg1"/>
+            </a:solidFill>
+          </a:ln>
+        </p:spPr>
+        <p:style>
+          <a:lnRef idx="2">
+            <a:schemeClr val="accent1">
+              <a:shade val="50000"/>
+            </a:schemeClr>
+          </a:lnRef>
+          <a:fillRef idx="1">
+            <a:schemeClr val="accent1"/>
+          </a:fillRef>
+          <a:effectRef idx="0">
+            <a:schemeClr val="accent1"/>
+          </a:effectRef>
+          <a:fontRef idx="minor">
+            <a:schemeClr val="lt1"/>
+          </a:fontRef>
+        </p:style>
+        <p:txBody>
+          <a:bodyPr rtlCol="0" anchor="ctr"/>
+          <a:lstStyle/>
+          <a:p>
+            <a:pPr algn="ctr"/>
+            <a:endParaRPr lang="en-ZA"/>
+          </a:p>
+        </p:txBody>
+      </p:sp>
+      <p:sp>
+        <p:nvSpPr>
+          <p:cNvPr id="10" name="Arrow: Right 9">
+            <a:extLst>
+              <a:ext uri="{FF2B5EF4-FFF2-40B4-BE49-F238E27FC236}">
+                <a16:creationId xmlns:a16="http://schemas.microsoft.com/office/drawing/2014/main" id="{EEB83178-EB9F-4939-94A9-B3B8677B5EB1}"/>
+              </a:ext>
+            </a:extLst>
+          </p:cNvPr>
+          <p:cNvSpPr/>
+          <p:nvPr/>
+        </p:nvSpPr>
+        <p:spPr>
+          <a:xfrm rot="5400000">
+            <a:off x="9609727" y="3582811"/>
+            <a:ext cx="800337" cy="492714"/>
+          </a:xfrm>
+          <a:prstGeom prst="rightArrow">
+            <a:avLst/>
+          </a:prstGeom>
+          <a:solidFill>
+            <a:schemeClr val="bg1"/>
+          </a:solidFill>
+          <a:ln>
+            <a:solidFill>
+              <a:schemeClr val="bg1"/>
+            </a:solidFill>
+          </a:ln>
+        </p:spPr>
+        <p:style>
+          <a:lnRef idx="2">
+            <a:schemeClr val="accent1">
+              <a:shade val="50000"/>
+            </a:schemeClr>
+          </a:lnRef>
+          <a:fillRef idx="1">
+            <a:schemeClr val="accent1"/>
+          </a:fillRef>
+          <a:effectRef idx="0">
+            <a:schemeClr val="accent1"/>
+          </a:effectRef>
+          <a:fontRef idx="minor">
+            <a:schemeClr val="lt1"/>
+          </a:fontRef>
+        </p:style>
+        <p:txBody>
+          <a:bodyPr rtlCol="0" anchor="ctr"/>
+          <a:lstStyle/>
+          <a:p>
+            <a:pPr algn="ctr"/>
+            <a:endParaRPr lang="en-ZA"/>
+          </a:p>
+        </p:txBody>
+      </p:sp>
+      <p:sp>
+        <p:nvSpPr>
+          <p:cNvPr id="11" name="TextBox 10">
+            <a:extLst>
+              <a:ext uri="{FF2B5EF4-FFF2-40B4-BE49-F238E27FC236}">
+                <a16:creationId xmlns:a16="http://schemas.microsoft.com/office/drawing/2014/main" id="{B59CBDF6-88B2-4A77-BC0E-AD09064233D6}"/>
+              </a:ext>
+            </a:extLst>
+          </p:cNvPr>
+          <p:cNvSpPr txBox="1"/>
+          <p:nvPr/>
+        </p:nvSpPr>
+        <p:spPr>
+          <a:xfrm>
+            <a:off x="801627" y="1332667"/>
+            <a:ext cx="1212191" cy="369332"/>
+          </a:xfrm>
+          <a:prstGeom prst="rect">
+            <a:avLst/>
+          </a:prstGeom>
+          <a:noFill/>
+        </p:spPr>
+        <p:txBody>
+          <a:bodyPr wrap="none" rtlCol="0">
+            <a:spAutoFit/>
+          </a:bodyPr>
+          <a:lstStyle/>
+          <a:p>
+            <a:r>
+              <a:rPr lang="en-US" dirty="0">
+                <a:solidFill>
+                  <a:schemeClr val="bg1"/>
+                </a:solidFill>
+                <a:latin typeface="CMU Serif" panose="02000603000000000000" pitchFamily="2" charset="0"/>
+                <a:ea typeface="CMU Serif" panose="02000603000000000000" pitchFamily="2" charset="0"/>
+                <a:cs typeface="CMU Serif" panose="02000603000000000000" pitchFamily="2" charset="0"/>
+              </a:rPr>
+              <a:t>Schematic</a:t>
+            </a:r>
+            <a:endParaRPr lang="en-ZA" dirty="0">
+              <a:solidFill>
+                <a:schemeClr val="bg1"/>
+              </a:solidFill>
+              <a:latin typeface="CMU Serif" panose="02000603000000000000" pitchFamily="2" charset="0"/>
+              <a:ea typeface="CMU Serif" panose="02000603000000000000" pitchFamily="2" charset="0"/>
+              <a:cs typeface="CMU Serif" panose="02000603000000000000" pitchFamily="2" charset="0"/>
+            </a:endParaRPr>
+          </a:p>
+        </p:txBody>
+      </p:sp>
+      <p:sp>
+        <p:nvSpPr>
+          <p:cNvPr id="12" name="TextBox 11">
+            <a:extLst>
+              <a:ext uri="{FF2B5EF4-FFF2-40B4-BE49-F238E27FC236}">
+                <a16:creationId xmlns:a16="http://schemas.microsoft.com/office/drawing/2014/main" id="{7FFE0B6D-9A26-43E7-AB6A-CFBF4FA09CF5}"/>
+              </a:ext>
+            </a:extLst>
+          </p:cNvPr>
+          <p:cNvSpPr txBox="1"/>
+          <p:nvPr/>
+        </p:nvSpPr>
+        <p:spPr>
+          <a:xfrm>
+            <a:off x="9763538" y="693424"/>
+            <a:ext cx="1463862" cy="369332"/>
+          </a:xfrm>
+          <a:prstGeom prst="rect">
+            <a:avLst/>
+          </a:prstGeom>
+          <a:noFill/>
+        </p:spPr>
+        <p:txBody>
+          <a:bodyPr wrap="none" rtlCol="0">
+            <a:spAutoFit/>
+          </a:bodyPr>
+          <a:lstStyle/>
+          <a:p>
+            <a:r>
+              <a:rPr lang="en-US" dirty="0">
+                <a:solidFill>
+                  <a:schemeClr val="bg1"/>
+                </a:solidFill>
+                <a:latin typeface="CMU Serif" panose="02000603000000000000" pitchFamily="2" charset="0"/>
+                <a:ea typeface="CMU Serif" panose="02000603000000000000" pitchFamily="2" charset="0"/>
+                <a:cs typeface="CMU Serif" panose="02000603000000000000" pitchFamily="2" charset="0"/>
+              </a:rPr>
+              <a:t>PCB Layout</a:t>
+            </a:r>
+            <a:endParaRPr lang="en-ZA" dirty="0">
+              <a:solidFill>
+                <a:schemeClr val="bg1"/>
+              </a:solidFill>
+              <a:latin typeface="CMU Serif" panose="02000603000000000000" pitchFamily="2" charset="0"/>
+              <a:ea typeface="CMU Serif" panose="02000603000000000000" pitchFamily="2" charset="0"/>
+              <a:cs typeface="CMU Serif" panose="02000603000000000000" pitchFamily="2" charset="0"/>
+            </a:endParaRPr>
+          </a:p>
+        </p:txBody>
+      </p:sp>
+      <p:sp>
+        <p:nvSpPr>
+          <p:cNvPr id="13" name="TextBox 12">
+            <a:extLst>
+              <a:ext uri="{FF2B5EF4-FFF2-40B4-BE49-F238E27FC236}">
+                <a16:creationId xmlns:a16="http://schemas.microsoft.com/office/drawing/2014/main" id="{A67752CC-BE03-49D5-9072-1C191F8FE313}"/>
+              </a:ext>
+            </a:extLst>
+          </p:cNvPr>
+          <p:cNvSpPr txBox="1"/>
+          <p:nvPr/>
+        </p:nvSpPr>
+        <p:spPr>
+          <a:xfrm>
+            <a:off x="8870389" y="3937367"/>
+            <a:ext cx="670376" cy="369332"/>
+          </a:xfrm>
+          <a:prstGeom prst="rect">
+            <a:avLst/>
+          </a:prstGeom>
+          <a:noFill/>
+        </p:spPr>
+        <p:txBody>
+          <a:bodyPr wrap="none" rtlCol="0">
+            <a:spAutoFit/>
+          </a:bodyPr>
+          <a:lstStyle/>
+          <a:p>
+            <a:r>
+              <a:rPr lang="en-US" dirty="0">
+                <a:solidFill>
+                  <a:schemeClr val="bg1"/>
+                </a:solidFill>
+                <a:latin typeface="CMU Serif" panose="02000603000000000000" pitchFamily="2" charset="0"/>
+                <a:ea typeface="CMU Serif" panose="02000603000000000000" pitchFamily="2" charset="0"/>
+                <a:cs typeface="CMU Serif" panose="02000603000000000000" pitchFamily="2" charset="0"/>
+              </a:rPr>
+              <a:t>PCB</a:t>
+            </a:r>
+            <a:endParaRPr lang="en-ZA" dirty="0">
+              <a:solidFill>
+                <a:schemeClr val="bg1"/>
+              </a:solidFill>
+              <a:latin typeface="CMU Serif" panose="02000603000000000000" pitchFamily="2" charset="0"/>
+              <a:ea typeface="CMU Serif" panose="02000603000000000000" pitchFamily="2" charset="0"/>
+              <a:cs typeface="CMU Serif" panose="02000603000000000000" pitchFamily="2" charset="0"/>
+            </a:endParaRPr>
+          </a:p>
+        </p:txBody>
+      </p:sp>
     </p:spTree>
     <p:extLst>
       <p:ext uri="{BB962C8B-B14F-4D97-AF65-F5344CB8AC3E}">
-        <p14:creationId xmlns:p14="http://schemas.microsoft.com/office/powerpoint/2010/main" val="853385581"/>
+        <p14:creationId xmlns:p14="http://schemas.microsoft.com/office/powerpoint/2010/main" val="1945336392"/>
       </p:ext>
     </p:extLst>
   </p:cSld>
